--- a/images/Figures.pptx
+++ b/images/Figures.pptx
@@ -6,10 +6,15 @@
   </p:sldMasterIdLst>
   <p:sldIdLst>
     <p:sldId id="256" r:id="rId2"/>
-    <p:sldId id="257" r:id="rId3"/>
-    <p:sldId id="258" r:id="rId4"/>
-    <p:sldId id="259" r:id="rId5"/>
-    <p:sldId id="260" r:id="rId6"/>
+    <p:sldId id="261" r:id="rId3"/>
+    <p:sldId id="262" r:id="rId4"/>
+    <p:sldId id="263" r:id="rId5"/>
+    <p:sldId id="264" r:id="rId6"/>
+    <p:sldId id="265" r:id="rId7"/>
+    <p:sldId id="258" r:id="rId8"/>
+    <p:sldId id="257" r:id="rId9"/>
+    <p:sldId id="259" r:id="rId10"/>
+    <p:sldId id="260" r:id="rId11"/>
   </p:sldIdLst>
   <p:sldSz cx="12192000" cy="6858000"/>
   <p:notesSz cx="6858000" cy="9144000"/>
@@ -108,13 +113,18 @@
       </a:defRPr>
     </a:lvl9pPr>
   </p:defaultTextStyle>
+  <p:extLst>
+    <p:ext uri="{EFAFB233-063F-42B5-8137-9DF3F51BA10A}">
+      <p15:sldGuideLst xmlns:p15="http://schemas.microsoft.com/office/powerpoint/2012/main"/>
+    </p:ext>
+  </p:extLst>
 </p:presentation>
 </file>
 
 <file path=ppt/revisionInfo.xml><?xml version="1.0" encoding="utf-8"?>
 <p1510:revInfo xmlns:a="http://schemas.openxmlformats.org/drawingml/2006/main" xmlns:r="http://schemas.openxmlformats.org/officeDocument/2006/relationships" xmlns:p1510="http://schemas.microsoft.com/office/powerpoint/2015/10/main">
   <p1510:revLst>
-    <p1510:client id="{0463E224-A4E8-459C-BFB0-D3F55FEE1819}" v="5" dt="2021-11-20T18:10:46.007"/>
+    <p1510:client id="{0463E224-A4E8-459C-BFB0-D3F55FEE1819}" v="52" dt="2021-11-20T19:15:46.762"/>
   </p1510:revLst>
 </p1510:revInfo>
 </file>
@@ -123,17 +133,25 @@
 <pc:chgInfo xmlns:a="http://schemas.openxmlformats.org/drawingml/2006/main" xmlns:r="http://schemas.openxmlformats.org/officeDocument/2006/relationships" xmlns:ac="http://schemas.microsoft.com/office/drawing/2013/main/command" xmlns:pc="http://schemas.microsoft.com/office/powerpoint/2013/main/command">
   <pc:docChgLst>
     <pc:chgData name="Gian" userId="605056808ee05873" providerId="LiveId" clId="{0463E224-A4E8-459C-BFB0-D3F55FEE1819}"/>
-    <pc:docChg chg="undo redo custSel addSld delSld modSld">
-      <pc:chgData name="Gian" userId="605056808ee05873" providerId="LiveId" clId="{0463E224-A4E8-459C-BFB0-D3F55FEE1819}" dt="2021-11-20T18:15:52.243" v="2881" actId="20577"/>
+    <pc:docChg chg="undo redo custSel addSld delSld modSld sldOrd">
+      <pc:chgData name="Gian" userId="605056808ee05873" providerId="LiveId" clId="{0463E224-A4E8-459C-BFB0-D3F55FEE1819}" dt="2021-11-20T19:15:54.898" v="3270" actId="478"/>
       <pc:docMkLst>
         <pc:docMk/>
       </pc:docMkLst>
       <pc:sldChg chg="addSp delSp modSp mod setBg">
-        <pc:chgData name="Gian" userId="605056808ee05873" providerId="LiveId" clId="{0463E224-A4E8-459C-BFB0-D3F55FEE1819}" dt="2021-11-20T17:49:51.899" v="46" actId="113"/>
+        <pc:chgData name="Gian" userId="605056808ee05873" providerId="LiveId" clId="{0463E224-A4E8-459C-BFB0-D3F55FEE1819}" dt="2021-11-20T18:50:55.936" v="2888"/>
         <pc:sldMkLst>
           <pc:docMk/>
           <pc:sldMk cId="1511942781" sldId="256"/>
         </pc:sldMkLst>
+        <pc:spChg chg="add del mod">
+          <ac:chgData name="Gian" userId="605056808ee05873" providerId="LiveId" clId="{0463E224-A4E8-459C-BFB0-D3F55FEE1819}" dt="2021-11-20T18:47:50.850" v="2884" actId="478"/>
+          <ac:spMkLst>
+            <pc:docMk/>
+            <pc:sldMk cId="1511942781" sldId="256"/>
+            <ac:spMk id="2" creationId="{811D5F28-DF05-43ED-8F3E-09AAA9AC3E22}"/>
+          </ac:spMkLst>
+        </pc:spChg>
         <pc:spChg chg="mod">
           <ac:chgData name="Gian" userId="605056808ee05873" providerId="LiveId" clId="{0463E224-A4E8-459C-BFB0-D3F55FEE1819}" dt="2021-11-20T17:49:41.430" v="33" actId="1076"/>
           <ac:spMkLst>
@@ -293,8 +311,8 @@
           </ac:picMkLst>
         </pc:picChg>
       </pc:sldChg>
-      <pc:sldChg chg="addSp delSp modSp add mod">
-        <pc:chgData name="Gian" userId="605056808ee05873" providerId="LiveId" clId="{0463E224-A4E8-459C-BFB0-D3F55FEE1819}" dt="2021-11-20T18:01:55.660" v="1827" actId="207"/>
+      <pc:sldChg chg="addSp delSp modSp add mod ord setBg">
+        <pc:chgData name="Gian" userId="605056808ee05873" providerId="LiveId" clId="{0463E224-A4E8-459C-BFB0-D3F55FEE1819}" dt="2021-11-20T18:55:06.932" v="2942" actId="207"/>
         <pc:sldMkLst>
           <pc:docMk/>
           <pc:sldMk cId="720892554" sldId="258"/>
@@ -316,7 +334,7 @@
           </ac:spMkLst>
         </pc:spChg>
         <pc:spChg chg="mod">
-          <ac:chgData name="Gian" userId="605056808ee05873" providerId="LiveId" clId="{0463E224-A4E8-459C-BFB0-D3F55FEE1819}" dt="2021-11-20T18:01:55.660" v="1827" actId="207"/>
+          <ac:chgData name="Gian" userId="605056808ee05873" providerId="LiveId" clId="{0463E224-A4E8-459C-BFB0-D3F55FEE1819}" dt="2021-11-20T18:54:43.984" v="2940" actId="207"/>
           <ac:spMkLst>
             <pc:docMk/>
             <pc:sldMk cId="720892554" sldId="258"/>
@@ -332,7 +350,7 @@
           </ac:picMkLst>
         </pc:picChg>
         <pc:picChg chg="add mod">
-          <ac:chgData name="Gian" userId="605056808ee05873" providerId="LiveId" clId="{0463E224-A4E8-459C-BFB0-D3F55FEE1819}" dt="2021-11-20T17:57:20.851" v="1122" actId="1076"/>
+          <ac:chgData name="Gian" userId="605056808ee05873" providerId="LiveId" clId="{0463E224-A4E8-459C-BFB0-D3F55FEE1819}" dt="2021-11-20T18:55:06.932" v="2942" actId="207"/>
           <ac:picMkLst>
             <pc:docMk/>
             <pc:sldMk cId="720892554" sldId="258"/>
@@ -439,6 +457,417 @@
             <pc:docMk/>
             <pc:sldMk cId="306759443" sldId="260"/>
             <ac:picMk id="6" creationId="{529042B6-8F71-46AE-A445-FC12CD32B234}"/>
+          </ac:picMkLst>
+        </pc:picChg>
+      </pc:sldChg>
+      <pc:sldChg chg="addSp delSp modSp add mod setBg">
+        <pc:chgData name="Gian" userId="605056808ee05873" providerId="LiveId" clId="{0463E224-A4E8-459C-BFB0-D3F55FEE1819}" dt="2021-11-20T18:57:43.266" v="2991" actId="11529"/>
+        <pc:sldMkLst>
+          <pc:docMk/>
+          <pc:sldMk cId="2334110093" sldId="261"/>
+        </pc:sldMkLst>
+        <pc:spChg chg="add del mod">
+          <ac:chgData name="Gian" userId="605056808ee05873" providerId="LiveId" clId="{0463E224-A4E8-459C-BFB0-D3F55FEE1819}" dt="2021-11-20T18:57:43.266" v="2991" actId="11529"/>
+          <ac:spMkLst>
+            <pc:docMk/>
+            <pc:sldMk cId="2334110093" sldId="261"/>
+            <ac:spMk id="2" creationId="{59B25E99-D519-49A8-9048-FA715293BA56}"/>
+          </ac:spMkLst>
+        </pc:spChg>
+        <pc:spChg chg="mod">
+          <ac:chgData name="Gian" userId="605056808ee05873" providerId="LiveId" clId="{0463E224-A4E8-459C-BFB0-D3F55FEE1819}" dt="2021-11-20T18:57:36.135" v="2984" actId="1038"/>
+          <ac:spMkLst>
+            <pc:docMk/>
+            <pc:sldMk cId="2334110093" sldId="261"/>
+            <ac:spMk id="7" creationId="{714EFC5B-FB25-472B-817B-37E2C9F50A0B}"/>
+          </ac:spMkLst>
+        </pc:spChg>
+        <pc:spChg chg="mod">
+          <ac:chgData name="Gian" userId="605056808ee05873" providerId="LiveId" clId="{0463E224-A4E8-459C-BFB0-D3F55FEE1819}" dt="2021-11-20T18:57:36.135" v="2984" actId="1038"/>
+          <ac:spMkLst>
+            <pc:docMk/>
+            <pc:sldMk cId="2334110093" sldId="261"/>
+            <ac:spMk id="8" creationId="{3E64D6BA-194D-49C6-A0A7-CEADA70F4DF7}"/>
+          </ac:spMkLst>
+        </pc:spChg>
+        <pc:spChg chg="mod topLvl">
+          <ac:chgData name="Gian" userId="605056808ee05873" providerId="LiveId" clId="{0463E224-A4E8-459C-BFB0-D3F55FEE1819}" dt="2021-11-20T18:57:33.947" v="2982" actId="14100"/>
+          <ac:spMkLst>
+            <pc:docMk/>
+            <pc:sldMk cId="2334110093" sldId="261"/>
+            <ac:spMk id="9" creationId="{96DDD9D9-2E4E-44FE-978A-DA121962CAB0}"/>
+          </ac:spMkLst>
+        </pc:spChg>
+        <pc:spChg chg="add del mod">
+          <ac:chgData name="Gian" userId="605056808ee05873" providerId="LiveId" clId="{0463E224-A4E8-459C-BFB0-D3F55FEE1819}" dt="2021-11-20T18:57:43.087" v="2990"/>
+          <ac:spMkLst>
+            <pc:docMk/>
+            <pc:sldMk cId="2334110093" sldId="261"/>
+            <ac:spMk id="11" creationId="{B5428FD6-BF55-4E82-B3E9-1B657FBF0AEB}"/>
+          </ac:spMkLst>
+        </pc:spChg>
+        <pc:grpChg chg="del mod ord">
+          <ac:chgData name="Gian" userId="605056808ee05873" providerId="LiveId" clId="{0463E224-A4E8-459C-BFB0-D3F55FEE1819}" dt="2021-11-20T18:51:26.711" v="2897" actId="165"/>
+          <ac:grpSpMkLst>
+            <pc:docMk/>
+            <pc:sldMk cId="2334110093" sldId="261"/>
+            <ac:grpSpMk id="10" creationId="{D0FF83CF-9EE7-4E6A-A66F-7D9B3B95CCAB}"/>
+          </ac:grpSpMkLst>
+        </pc:grpChg>
+        <pc:picChg chg="mod topLvl">
+          <ac:chgData name="Gian" userId="605056808ee05873" providerId="LiveId" clId="{0463E224-A4E8-459C-BFB0-D3F55FEE1819}" dt="2021-11-20T18:57:33.947" v="2982" actId="14100"/>
+          <ac:picMkLst>
+            <pc:docMk/>
+            <pc:sldMk cId="2334110093" sldId="261"/>
+            <ac:picMk id="6" creationId="{DDFD0140-0BAA-44AC-AB18-2204D2CD1311}"/>
+          </ac:picMkLst>
+        </pc:picChg>
+      </pc:sldChg>
+      <pc:sldChg chg="modSp add mod ord setBg">
+        <pc:chgData name="Gian" userId="605056808ee05873" providerId="LiveId" clId="{0463E224-A4E8-459C-BFB0-D3F55FEE1819}" dt="2021-11-20T18:59:02.798" v="3009"/>
+        <pc:sldMkLst>
+          <pc:docMk/>
+          <pc:sldMk cId="1241932393" sldId="262"/>
+        </pc:sldMkLst>
+        <pc:spChg chg="mod">
+          <ac:chgData name="Gian" userId="605056808ee05873" providerId="LiveId" clId="{0463E224-A4E8-459C-BFB0-D3F55FEE1819}" dt="2021-11-20T18:53:47.250" v="2934" actId="1038"/>
+          <ac:spMkLst>
+            <pc:docMk/>
+            <pc:sldMk cId="1241932393" sldId="262"/>
+            <ac:spMk id="7" creationId="{714EFC5B-FB25-472B-817B-37E2C9F50A0B}"/>
+          </ac:spMkLst>
+        </pc:spChg>
+        <pc:spChg chg="mod">
+          <ac:chgData name="Gian" userId="605056808ee05873" providerId="LiveId" clId="{0463E224-A4E8-459C-BFB0-D3F55FEE1819}" dt="2021-11-20T18:53:47.250" v="2934" actId="1038"/>
+          <ac:spMkLst>
+            <pc:docMk/>
+            <pc:sldMk cId="1241932393" sldId="262"/>
+            <ac:spMk id="8" creationId="{3E64D6BA-194D-49C6-A0A7-CEADA70F4DF7}"/>
+          </ac:spMkLst>
+        </pc:spChg>
+        <pc:spChg chg="mod">
+          <ac:chgData name="Gian" userId="605056808ee05873" providerId="LiveId" clId="{0463E224-A4E8-459C-BFB0-D3F55FEE1819}" dt="2021-11-20T18:54:13.648" v="2936" actId="207"/>
+          <ac:spMkLst>
+            <pc:docMk/>
+            <pc:sldMk cId="1241932393" sldId="262"/>
+            <ac:spMk id="9" creationId="{96DDD9D9-2E4E-44FE-978A-DA121962CAB0}"/>
+          </ac:spMkLst>
+        </pc:spChg>
+        <pc:picChg chg="mod">
+          <ac:chgData name="Gian" userId="605056808ee05873" providerId="LiveId" clId="{0463E224-A4E8-459C-BFB0-D3F55FEE1819}" dt="2021-11-20T18:57:45.290" v="2993" actId="207"/>
+          <ac:picMkLst>
+            <pc:docMk/>
+            <pc:sldMk cId="1241932393" sldId="262"/>
+            <ac:picMk id="3" creationId="{05A34532-905F-4DC9-992F-2F303007CE17}"/>
+          </ac:picMkLst>
+        </pc:picChg>
+      </pc:sldChg>
+      <pc:sldChg chg="addSp delSp modSp add mod">
+        <pc:chgData name="Gian" userId="605056808ee05873" providerId="LiveId" clId="{0463E224-A4E8-459C-BFB0-D3F55FEE1819}" dt="2021-11-20T19:15:50.553" v="3268" actId="478"/>
+        <pc:sldMkLst>
+          <pc:docMk/>
+          <pc:sldMk cId="276229860" sldId="263"/>
+        </pc:sldMkLst>
+        <pc:spChg chg="mod topLvl">
+          <ac:chgData name="Gian" userId="605056808ee05873" providerId="LiveId" clId="{0463E224-A4E8-459C-BFB0-D3F55FEE1819}" dt="2021-11-20T19:13:49.503" v="3245" actId="164"/>
+          <ac:spMkLst>
+            <pc:docMk/>
+            <pc:sldMk cId="276229860" sldId="263"/>
+            <ac:spMk id="7" creationId="{714EFC5B-FB25-472B-817B-37E2C9F50A0B}"/>
+          </ac:spMkLst>
+        </pc:spChg>
+        <pc:spChg chg="mod topLvl">
+          <ac:chgData name="Gian" userId="605056808ee05873" providerId="LiveId" clId="{0463E224-A4E8-459C-BFB0-D3F55FEE1819}" dt="2021-11-20T19:13:49.503" v="3245" actId="164"/>
+          <ac:spMkLst>
+            <pc:docMk/>
+            <pc:sldMk cId="276229860" sldId="263"/>
+            <ac:spMk id="8" creationId="{3E64D6BA-194D-49C6-A0A7-CEADA70F4DF7}"/>
+          </ac:spMkLst>
+        </pc:spChg>
+        <pc:spChg chg="del mod topLvl">
+          <ac:chgData name="Gian" userId="605056808ee05873" providerId="LiveId" clId="{0463E224-A4E8-459C-BFB0-D3F55FEE1819}" dt="2021-11-20T19:12:48.821" v="3233" actId="478"/>
+          <ac:spMkLst>
+            <pc:docMk/>
+            <pc:sldMk cId="276229860" sldId="263"/>
+            <ac:spMk id="9" creationId="{96DDD9D9-2E4E-44FE-978A-DA121962CAB0}"/>
+          </ac:spMkLst>
+        </pc:spChg>
+        <pc:spChg chg="add mod">
+          <ac:chgData name="Gian" userId="605056808ee05873" providerId="LiveId" clId="{0463E224-A4E8-459C-BFB0-D3F55FEE1819}" dt="2021-11-20T19:13:43.641" v="3244" actId="207"/>
+          <ac:spMkLst>
+            <pc:docMk/>
+            <pc:sldMk cId="276229860" sldId="263"/>
+            <ac:spMk id="10" creationId="{300EF85A-C90D-4573-89D3-AC13D2812EFB}"/>
+          </ac:spMkLst>
+        </pc:spChg>
+        <pc:spChg chg="add del mod">
+          <ac:chgData name="Gian" userId="605056808ee05873" providerId="LiveId" clId="{0463E224-A4E8-459C-BFB0-D3F55FEE1819}" dt="2021-11-20T19:15:50.553" v="3268" actId="478"/>
+          <ac:spMkLst>
+            <pc:docMk/>
+            <pc:sldMk cId="276229860" sldId="263"/>
+            <ac:spMk id="11" creationId="{C54B9D6A-C962-4868-85AC-3B6C90304574}"/>
+          </ac:spMkLst>
+        </pc:spChg>
+        <pc:grpChg chg="add del mod topLvl">
+          <ac:chgData name="Gian" userId="605056808ee05873" providerId="LiveId" clId="{0463E224-A4E8-459C-BFB0-D3F55FEE1819}" dt="2021-11-20T19:12:46.804" v="3232" actId="165"/>
+          <ac:grpSpMkLst>
+            <pc:docMk/>
+            <pc:sldMk cId="276229860" sldId="263"/>
+            <ac:grpSpMk id="2" creationId="{164B7104-57EF-4C47-A310-24A2B745B596}"/>
+          </ac:grpSpMkLst>
+        </pc:grpChg>
+        <pc:grpChg chg="add del mod">
+          <ac:chgData name="Gian" userId="605056808ee05873" providerId="LiveId" clId="{0463E224-A4E8-459C-BFB0-D3F55FEE1819}" dt="2021-11-20T19:12:43.503" v="3231" actId="165"/>
+          <ac:grpSpMkLst>
+            <pc:docMk/>
+            <pc:sldMk cId="276229860" sldId="263"/>
+            <ac:grpSpMk id="3" creationId="{7B197EEB-F77C-4E47-AE9A-D251CE6F74DE}"/>
+          </ac:grpSpMkLst>
+        </pc:grpChg>
+        <pc:grpChg chg="add mod">
+          <ac:chgData name="Gian" userId="605056808ee05873" providerId="LiveId" clId="{0463E224-A4E8-459C-BFB0-D3F55FEE1819}" dt="2021-11-20T19:13:49.503" v="3245" actId="164"/>
+          <ac:grpSpMkLst>
+            <pc:docMk/>
+            <pc:sldMk cId="276229860" sldId="263"/>
+            <ac:grpSpMk id="4" creationId="{04039A33-3A84-4FA3-A63A-A65AE444870D}"/>
+          </ac:grpSpMkLst>
+        </pc:grpChg>
+        <pc:grpChg chg="add mod">
+          <ac:chgData name="Gian" userId="605056808ee05873" providerId="LiveId" clId="{0463E224-A4E8-459C-BFB0-D3F55FEE1819}" dt="2021-11-20T19:15:49.034" v="3267" actId="1076"/>
+          <ac:grpSpMkLst>
+            <pc:docMk/>
+            <pc:sldMk cId="276229860" sldId="263"/>
+            <ac:grpSpMk id="5" creationId="{7E3A99BB-2082-443A-8851-A51E86A7F5E3}"/>
+          </ac:grpSpMkLst>
+        </pc:grpChg>
+        <pc:picChg chg="mod ord topLvl">
+          <ac:chgData name="Gian" userId="605056808ee05873" providerId="LiveId" clId="{0463E224-A4E8-459C-BFB0-D3F55FEE1819}" dt="2021-11-20T19:13:00.903" v="3239" actId="164"/>
+          <ac:picMkLst>
+            <pc:docMk/>
+            <pc:sldMk cId="276229860" sldId="263"/>
+            <ac:picMk id="6" creationId="{DDFD0140-0BAA-44AC-AB18-2204D2CD1311}"/>
+          </ac:picMkLst>
+        </pc:picChg>
+      </pc:sldChg>
+      <pc:sldChg chg="addSp delSp modSp add mod ord">
+        <pc:chgData name="Gian" userId="605056808ee05873" providerId="LiveId" clId="{0463E224-A4E8-459C-BFB0-D3F55FEE1819}" dt="2021-11-20T19:15:52.712" v="3269" actId="478"/>
+        <pc:sldMkLst>
+          <pc:docMk/>
+          <pc:sldMk cId="2027254894" sldId="264"/>
+        </pc:sldMkLst>
+        <pc:spChg chg="mod topLvl">
+          <ac:chgData name="Gian" userId="605056808ee05873" providerId="LiveId" clId="{0463E224-A4E8-459C-BFB0-D3F55FEE1819}" dt="2021-11-20T19:14:17.831" v="3249" actId="164"/>
+          <ac:spMkLst>
+            <pc:docMk/>
+            <pc:sldMk cId="2027254894" sldId="264"/>
+            <ac:spMk id="7" creationId="{714EFC5B-FB25-472B-817B-37E2C9F50A0B}"/>
+          </ac:spMkLst>
+        </pc:spChg>
+        <pc:spChg chg="mod topLvl">
+          <ac:chgData name="Gian" userId="605056808ee05873" providerId="LiveId" clId="{0463E224-A4E8-459C-BFB0-D3F55FEE1819}" dt="2021-11-20T19:14:17.831" v="3249" actId="164"/>
+          <ac:spMkLst>
+            <pc:docMk/>
+            <pc:sldMk cId="2027254894" sldId="264"/>
+            <ac:spMk id="8" creationId="{3E64D6BA-194D-49C6-A0A7-CEADA70F4DF7}"/>
+          </ac:spMkLst>
+        </pc:spChg>
+        <pc:spChg chg="del mod">
+          <ac:chgData name="Gian" userId="605056808ee05873" providerId="LiveId" clId="{0463E224-A4E8-459C-BFB0-D3F55FEE1819}" dt="2021-11-20T19:01:07.540" v="3036" actId="478"/>
+          <ac:spMkLst>
+            <pc:docMk/>
+            <pc:sldMk cId="2027254894" sldId="264"/>
+            <ac:spMk id="9" creationId="{96DDD9D9-2E4E-44FE-978A-DA121962CAB0}"/>
+          </ac:spMkLst>
+        </pc:spChg>
+        <pc:spChg chg="add del mod topLvl">
+          <ac:chgData name="Gian" userId="605056808ee05873" providerId="LiveId" clId="{0463E224-A4E8-459C-BFB0-D3F55FEE1819}" dt="2021-11-20T19:11:04.040" v="3200" actId="478"/>
+          <ac:spMkLst>
+            <pc:docMk/>
+            <pc:sldMk cId="2027254894" sldId="264"/>
+            <ac:spMk id="10" creationId="{E82585F3-A887-4D07-8D80-7EB07C997EF4}"/>
+          </ac:spMkLst>
+        </pc:spChg>
+        <pc:spChg chg="add mod">
+          <ac:chgData name="Gian" userId="605056808ee05873" providerId="LiveId" clId="{0463E224-A4E8-459C-BFB0-D3F55FEE1819}" dt="2021-11-20T19:11:38.152" v="3210" actId="207"/>
+          <ac:spMkLst>
+            <pc:docMk/>
+            <pc:sldMk cId="2027254894" sldId="264"/>
+            <ac:spMk id="13" creationId="{7952A856-1F75-48C2-91B6-9228AD0589F8}"/>
+          </ac:spMkLst>
+        </pc:spChg>
+        <pc:spChg chg="add del">
+          <ac:chgData name="Gian" userId="605056808ee05873" providerId="LiveId" clId="{0463E224-A4E8-459C-BFB0-D3F55FEE1819}" dt="2021-11-20T19:15:52.712" v="3269" actId="478"/>
+          <ac:spMkLst>
+            <pc:docMk/>
+            <pc:sldMk cId="2027254894" sldId="264"/>
+            <ac:spMk id="16" creationId="{D999119D-86E2-40EB-889F-07C70653DFA4}"/>
+          </ac:spMkLst>
+        </pc:spChg>
+        <pc:grpChg chg="add del mod">
+          <ac:chgData name="Gian" userId="605056808ee05873" providerId="LiveId" clId="{0463E224-A4E8-459C-BFB0-D3F55FEE1819}" dt="2021-11-20T19:01:07.540" v="3036" actId="478"/>
+          <ac:grpSpMkLst>
+            <pc:docMk/>
+            <pc:sldMk cId="2027254894" sldId="264"/>
+            <ac:grpSpMk id="2" creationId="{1E789F44-3B82-4E1C-9C6E-651E0410FA24}"/>
+          </ac:grpSpMkLst>
+        </pc:grpChg>
+        <pc:grpChg chg="add del mod topLvl">
+          <ac:chgData name="Gian" userId="605056808ee05873" providerId="LiveId" clId="{0463E224-A4E8-459C-BFB0-D3F55FEE1819}" dt="2021-11-20T19:01:18.366" v="3038" actId="165"/>
+          <ac:grpSpMkLst>
+            <pc:docMk/>
+            <pc:sldMk cId="2027254894" sldId="264"/>
+            <ac:grpSpMk id="4" creationId="{6E7C981C-20B3-44D6-808C-CE6EE81BDF9E}"/>
+          </ac:grpSpMkLst>
+        </pc:grpChg>
+        <pc:grpChg chg="add del mod">
+          <ac:chgData name="Gian" userId="605056808ee05873" providerId="LiveId" clId="{0463E224-A4E8-459C-BFB0-D3F55FEE1819}" dt="2021-11-20T19:01:14.511" v="3037" actId="165"/>
+          <ac:grpSpMkLst>
+            <pc:docMk/>
+            <pc:sldMk cId="2027254894" sldId="264"/>
+            <ac:grpSpMk id="5" creationId="{A516F99B-6777-4754-BB62-0923359C1412}"/>
+          </ac:grpSpMkLst>
+        </pc:grpChg>
+        <pc:grpChg chg="add del mod topLvl">
+          <ac:chgData name="Gian" userId="605056808ee05873" providerId="LiveId" clId="{0463E224-A4E8-459C-BFB0-D3F55FEE1819}" dt="2021-11-20T19:11:00.730" v="3198" actId="165"/>
+          <ac:grpSpMkLst>
+            <pc:docMk/>
+            <pc:sldMk cId="2027254894" sldId="264"/>
+            <ac:grpSpMk id="6" creationId="{5C2CB6AA-E408-4D3E-9EC2-929698F8048F}"/>
+          </ac:grpSpMkLst>
+        </pc:grpChg>
+        <pc:grpChg chg="add del mod">
+          <ac:chgData name="Gian" userId="605056808ee05873" providerId="LiveId" clId="{0463E224-A4E8-459C-BFB0-D3F55FEE1819}" dt="2021-11-20T19:10:54.653" v="3197" actId="165"/>
+          <ac:grpSpMkLst>
+            <pc:docMk/>
+            <pc:sldMk cId="2027254894" sldId="264"/>
+            <ac:grpSpMk id="11" creationId="{D0A018E4-DA91-4ED9-90CF-8C0D23FF7460}"/>
+          </ac:grpSpMkLst>
+        </pc:grpChg>
+        <pc:grpChg chg="add mod">
+          <ac:chgData name="Gian" userId="605056808ee05873" providerId="LiveId" clId="{0463E224-A4E8-459C-BFB0-D3F55FEE1819}" dt="2021-11-20T19:14:17.831" v="3249" actId="164"/>
+          <ac:grpSpMkLst>
+            <pc:docMk/>
+            <pc:sldMk cId="2027254894" sldId="264"/>
+            <ac:grpSpMk id="14" creationId="{9238681B-92F8-4DC9-A786-ABF41ABFA5D7}"/>
+          </ac:grpSpMkLst>
+        </pc:grpChg>
+        <pc:grpChg chg="add mod">
+          <ac:chgData name="Gian" userId="605056808ee05873" providerId="LiveId" clId="{0463E224-A4E8-459C-BFB0-D3F55FEE1819}" dt="2021-11-20T19:15:35.741" v="3261" actId="1076"/>
+          <ac:grpSpMkLst>
+            <pc:docMk/>
+            <pc:sldMk cId="2027254894" sldId="264"/>
+            <ac:grpSpMk id="15" creationId="{BD172417-05EE-4BB0-9339-D0E34509BFC5}"/>
+          </ac:grpSpMkLst>
+        </pc:grpChg>
+        <pc:picChg chg="mod ord topLvl">
+          <ac:chgData name="Gian" userId="605056808ee05873" providerId="LiveId" clId="{0463E224-A4E8-459C-BFB0-D3F55FEE1819}" dt="2021-11-20T19:11:34.841" v="3209" actId="207"/>
+          <ac:picMkLst>
+            <pc:docMk/>
+            <pc:sldMk cId="2027254894" sldId="264"/>
+            <ac:picMk id="3" creationId="{05A34532-905F-4DC9-992F-2F303007CE17}"/>
+          </ac:picMkLst>
+        </pc:picChg>
+        <pc:picChg chg="add del mod">
+          <ac:chgData name="Gian" userId="605056808ee05873" providerId="LiveId" clId="{0463E224-A4E8-459C-BFB0-D3F55FEE1819}" dt="2021-11-20T19:06:06.456" v="3115"/>
+          <ac:picMkLst>
+            <pc:docMk/>
+            <pc:sldMk cId="2027254894" sldId="264"/>
+            <ac:picMk id="12" creationId="{2E080EA8-EBBD-4F05-AF9A-D931178ECCA3}"/>
+          </ac:picMkLst>
+        </pc:picChg>
+      </pc:sldChg>
+      <pc:sldChg chg="addSp delSp modSp add mod ord">
+        <pc:chgData name="Gian" userId="605056808ee05873" providerId="LiveId" clId="{0463E224-A4E8-459C-BFB0-D3F55FEE1819}" dt="2021-11-20T19:15:54.898" v="3270" actId="478"/>
+        <pc:sldMkLst>
+          <pc:docMk/>
+          <pc:sldMk cId="2050016412" sldId="265"/>
+        </pc:sldMkLst>
+        <pc:spChg chg="add mod topLvl">
+          <ac:chgData name="Gian" userId="605056808ee05873" providerId="LiveId" clId="{0463E224-A4E8-459C-BFB0-D3F55FEE1819}" dt="2021-11-20T19:14:45.821" v="3256" actId="164"/>
+          <ac:spMkLst>
+            <pc:docMk/>
+            <pc:sldMk cId="2050016412" sldId="265"/>
+            <ac:spMk id="6" creationId="{22A632F1-62BD-4FD2-A0F8-CDFD4861AF3F}"/>
+          </ac:spMkLst>
+        </pc:spChg>
+        <pc:spChg chg="mod topLvl">
+          <ac:chgData name="Gian" userId="605056808ee05873" providerId="LiveId" clId="{0463E224-A4E8-459C-BFB0-D3F55FEE1819}" dt="2021-11-20T19:14:57.786" v="3258" actId="164"/>
+          <ac:spMkLst>
+            <pc:docMk/>
+            <pc:sldMk cId="2050016412" sldId="265"/>
+            <ac:spMk id="7" creationId="{714EFC5B-FB25-472B-817B-37E2C9F50A0B}"/>
+          </ac:spMkLst>
+        </pc:spChg>
+        <pc:spChg chg="mod topLvl">
+          <ac:chgData name="Gian" userId="605056808ee05873" providerId="LiveId" clId="{0463E224-A4E8-459C-BFB0-D3F55FEE1819}" dt="2021-11-20T19:14:57.786" v="3258" actId="164"/>
+          <ac:spMkLst>
+            <pc:docMk/>
+            <pc:sldMk cId="2050016412" sldId="265"/>
+            <ac:spMk id="8" creationId="{3E64D6BA-194D-49C6-A0A7-CEADA70F4DF7}"/>
+          </ac:spMkLst>
+        </pc:spChg>
+        <pc:spChg chg="del">
+          <ac:chgData name="Gian" userId="605056808ee05873" providerId="LiveId" clId="{0463E224-A4E8-459C-BFB0-D3F55FEE1819}" dt="2021-11-20T19:02:45.343" v="3056" actId="478"/>
+          <ac:spMkLst>
+            <pc:docMk/>
+            <pc:sldMk cId="2050016412" sldId="265"/>
+            <ac:spMk id="9" creationId="{96DDD9D9-2E4E-44FE-978A-DA121962CAB0}"/>
+          </ac:spMkLst>
+        </pc:spChg>
+        <pc:spChg chg="add del mod">
+          <ac:chgData name="Gian" userId="605056808ee05873" providerId="LiveId" clId="{0463E224-A4E8-459C-BFB0-D3F55FEE1819}" dt="2021-11-20T19:15:54.898" v="3270" actId="478"/>
+          <ac:spMkLst>
+            <pc:docMk/>
+            <pc:sldMk cId="2050016412" sldId="265"/>
+            <ac:spMk id="12" creationId="{513D5B97-18E3-4D50-9B0B-8BA0DC7B422F}"/>
+          </ac:spMkLst>
+        </pc:spChg>
+        <pc:grpChg chg="add del mod topLvl">
+          <ac:chgData name="Gian" userId="605056808ee05873" providerId="LiveId" clId="{0463E224-A4E8-459C-BFB0-D3F55FEE1819}" dt="2021-11-20T19:14:42.616" v="3255" actId="165"/>
+          <ac:grpSpMkLst>
+            <pc:docMk/>
+            <pc:sldMk cId="2050016412" sldId="265"/>
+            <ac:grpSpMk id="2" creationId="{DD9F1050-2249-4E4F-894D-D22116AD7428}"/>
+          </ac:grpSpMkLst>
+        </pc:grpChg>
+        <pc:grpChg chg="add del mod">
+          <ac:chgData name="Gian" userId="605056808ee05873" providerId="LiveId" clId="{0463E224-A4E8-459C-BFB0-D3F55FEE1819}" dt="2021-11-20T19:04:49.306" v="3095" actId="165"/>
+          <ac:grpSpMkLst>
+            <pc:docMk/>
+            <pc:sldMk cId="2050016412" sldId="265"/>
+            <ac:grpSpMk id="3" creationId="{6D06EE56-E828-41AB-8591-0501F3C0DF72}"/>
+          </ac:grpSpMkLst>
+        </pc:grpChg>
+        <pc:grpChg chg="add del mod">
+          <ac:chgData name="Gian" userId="605056808ee05873" providerId="LiveId" clId="{0463E224-A4E8-459C-BFB0-D3F55FEE1819}" dt="2021-11-20T19:14:36.123" v="3254" actId="165"/>
+          <ac:grpSpMkLst>
+            <pc:docMk/>
+            <pc:sldMk cId="2050016412" sldId="265"/>
+            <ac:grpSpMk id="5" creationId="{EA7B64FD-357C-44A5-823A-25706E57C0ED}"/>
+          </ac:grpSpMkLst>
+        </pc:grpChg>
+        <pc:grpChg chg="add mod">
+          <ac:chgData name="Gian" userId="605056808ee05873" providerId="LiveId" clId="{0463E224-A4E8-459C-BFB0-D3F55FEE1819}" dt="2021-11-20T19:14:57.786" v="3258" actId="164"/>
+          <ac:grpSpMkLst>
+            <pc:docMk/>
+            <pc:sldMk cId="2050016412" sldId="265"/>
+            <ac:grpSpMk id="10" creationId="{AADD784E-9BE0-4DDA-B239-BDE9733C2255}"/>
+          </ac:grpSpMkLst>
+        </pc:grpChg>
+        <pc:grpChg chg="add mod">
+          <ac:chgData name="Gian" userId="605056808ee05873" providerId="LiveId" clId="{0463E224-A4E8-459C-BFB0-D3F55FEE1819}" dt="2021-11-20T19:15:45.014" v="3265" actId="1076"/>
+          <ac:grpSpMkLst>
+            <pc:docMk/>
+            <pc:sldMk cId="2050016412" sldId="265"/>
+            <ac:grpSpMk id="11" creationId="{9D3E5EFB-132A-4DF4-852C-C6EAC0E5B558}"/>
+          </ac:grpSpMkLst>
+        </pc:grpChg>
+        <pc:picChg chg="mod ord topLvl">
+          <ac:chgData name="Gian" userId="605056808ee05873" providerId="LiveId" clId="{0463E224-A4E8-459C-BFB0-D3F55FEE1819}" dt="2021-11-20T19:14:45.821" v="3256" actId="164"/>
+          <ac:picMkLst>
+            <pc:docMk/>
+            <pc:sldMk cId="2050016412" sldId="265"/>
+            <ac:picMk id="4" creationId="{D2A3604E-A6B4-4C2C-A0E6-A8F6503C4CF6}"/>
           </ac:picMkLst>
         </pc:picChg>
       </pc:sldChg>
@@ -3937,7 +4366,2024 @@
 </p:sld>
 </file>
 
+<file path=ppt/slides/slide10.xml><?xml version="1.0" encoding="utf-8"?>
+<p:sld xmlns:a="http://schemas.openxmlformats.org/drawingml/2006/main" xmlns:r="http://schemas.openxmlformats.org/officeDocument/2006/relationships" xmlns:p="http://schemas.openxmlformats.org/presentationml/2006/main">
+  <p:cSld>
+    <p:spTree>
+      <p:nvGrpSpPr>
+        <p:cNvPr id="1" name=""/>
+        <p:cNvGrpSpPr/>
+        <p:nvPr/>
+      </p:nvGrpSpPr>
+      <p:grpSpPr>
+        <a:xfrm>
+          <a:off x="0" y="0"/>
+          <a:ext cx="0" cy="0"/>
+          <a:chOff x="0" y="0"/>
+          <a:chExt cx="0" cy="0"/>
+        </a:xfrm>
+      </p:grpSpPr>
+      <p:sp>
+        <p:nvSpPr>
+          <p:cNvPr id="7" name="TextBox 6">
+            <a:extLst>
+              <a:ext uri="{FF2B5EF4-FFF2-40B4-BE49-F238E27FC236}">
+                <a16:creationId xmlns:a16="http://schemas.microsoft.com/office/drawing/2014/main" id="{714EFC5B-FB25-472B-817B-37E2C9F50A0B}"/>
+              </a:ext>
+            </a:extLst>
+          </p:cNvPr>
+          <p:cNvSpPr txBox="1"/>
+          <p:nvPr/>
+        </p:nvSpPr>
+        <p:spPr>
+          <a:xfrm>
+            <a:off x="472324" y="502243"/>
+            <a:ext cx="7070205" cy="1015663"/>
+          </a:xfrm>
+          <a:prstGeom prst="rect">
+            <a:avLst/>
+          </a:prstGeom>
+          <a:noFill/>
+        </p:spPr>
+        <p:txBody>
+          <a:bodyPr wrap="square" rtlCol="0">
+            <a:spAutoFit/>
+          </a:bodyPr>
+          <a:lstStyle/>
+          <a:p>
+            <a:r>
+              <a:rPr lang="en-US" sz="6000" dirty="0">
+                <a:latin typeface="Helvetica" panose="020B0604020202020204" pitchFamily="34" charset="0"/>
+                <a:cs typeface="Helvetica" panose="020B0604020202020204" pitchFamily="34" charset="0"/>
+              </a:rPr>
+              <a:t>Health Equity</a:t>
+            </a:r>
+          </a:p>
+        </p:txBody>
+      </p:sp>
+      <p:sp>
+        <p:nvSpPr>
+          <p:cNvPr id="8" name="TextBox 7">
+            <a:extLst>
+              <a:ext uri="{FF2B5EF4-FFF2-40B4-BE49-F238E27FC236}">
+                <a16:creationId xmlns:a16="http://schemas.microsoft.com/office/drawing/2014/main" id="{3E64D6BA-194D-49C6-A0A7-CEADA70F4DF7}"/>
+              </a:ext>
+            </a:extLst>
+          </p:cNvPr>
+          <p:cNvSpPr txBox="1"/>
+          <p:nvPr/>
+        </p:nvSpPr>
+        <p:spPr>
+          <a:xfrm>
+            <a:off x="472324" y="2551836"/>
+            <a:ext cx="5130190" cy="1200329"/>
+          </a:xfrm>
+          <a:prstGeom prst="rect">
+            <a:avLst/>
+          </a:prstGeom>
+          <a:noFill/>
+        </p:spPr>
+        <p:txBody>
+          <a:bodyPr wrap="square" rtlCol="0">
+            <a:spAutoFit/>
+          </a:bodyPr>
+          <a:lstStyle/>
+          <a:p>
+            <a:r>
+              <a:rPr lang="en-US" dirty="0">
+                <a:latin typeface="Helvetica" panose="020B0604020202020204" pitchFamily="34" charset="0"/>
+                <a:cs typeface="Helvetica" panose="020B0604020202020204" pitchFamily="34" charset="0"/>
+              </a:rPr>
+              <a:t>Something about health equity</a:t>
+            </a:r>
+          </a:p>
+          <a:p>
+            <a:endParaRPr lang="en-US" dirty="0">
+              <a:latin typeface="Helvetica" panose="020B0604020202020204" pitchFamily="34" charset="0"/>
+              <a:cs typeface="Helvetica" panose="020B0604020202020204" pitchFamily="34" charset="0"/>
+            </a:endParaRPr>
+          </a:p>
+          <a:p>
+            <a:endParaRPr lang="en-US" dirty="0">
+              <a:latin typeface="Helvetica" panose="020B0604020202020204" pitchFamily="34" charset="0"/>
+              <a:cs typeface="Helvetica" panose="020B0604020202020204" pitchFamily="34" charset="0"/>
+            </a:endParaRPr>
+          </a:p>
+          <a:p>
+            <a:r>
+              <a:rPr lang="en-US" dirty="0">
+                <a:latin typeface="Helvetica" panose="020B0604020202020204" pitchFamily="34" charset="0"/>
+                <a:cs typeface="Helvetica" panose="020B0604020202020204" pitchFamily="34" charset="0"/>
+              </a:rPr>
+              <a:t>Something </a:t>
+            </a:r>
+            <a:r>
+              <a:rPr lang="en-US" dirty="0" err="1">
+                <a:latin typeface="Helvetica" panose="020B0604020202020204" pitchFamily="34" charset="0"/>
+                <a:cs typeface="Helvetica" panose="020B0604020202020204" pitchFamily="34" charset="0"/>
+              </a:rPr>
+              <a:t>something</a:t>
+            </a:r>
+            <a:r>
+              <a:rPr lang="en-US">
+                <a:latin typeface="Helvetica" panose="020B0604020202020204" pitchFamily="34" charset="0"/>
+                <a:cs typeface="Helvetica" panose="020B0604020202020204" pitchFamily="34" charset="0"/>
+              </a:rPr>
+              <a:t> about methods</a:t>
+            </a:r>
+            <a:endParaRPr lang="en-US" dirty="0">
+              <a:latin typeface="Helvetica" panose="020B0604020202020204" pitchFamily="34" charset="0"/>
+              <a:cs typeface="Helvetica" panose="020B0604020202020204" pitchFamily="34" charset="0"/>
+            </a:endParaRPr>
+          </a:p>
+        </p:txBody>
+      </p:sp>
+    </p:spTree>
+    <p:extLst>
+      <p:ext uri="{BB962C8B-B14F-4D97-AF65-F5344CB8AC3E}">
+        <p14:creationId xmlns:p14="http://schemas.microsoft.com/office/powerpoint/2010/main" val="306759443"/>
+      </p:ext>
+    </p:extLst>
+  </p:cSld>
+  <p:clrMapOvr>
+    <a:masterClrMapping/>
+  </p:clrMapOvr>
+</p:sld>
+</file>
+
 <file path=ppt/slides/slide2.xml><?xml version="1.0" encoding="utf-8"?>
+<p:sld xmlns:a="http://schemas.openxmlformats.org/drawingml/2006/main" xmlns:r="http://schemas.openxmlformats.org/officeDocument/2006/relationships" xmlns:p="http://schemas.openxmlformats.org/presentationml/2006/main">
+  <p:cSld>
+    <p:bg>
+      <p:bgPr>
+        <a:solidFill>
+          <a:srgbClr val="DDDDFF"/>
+        </a:solidFill>
+        <a:effectLst/>
+      </p:bgPr>
+    </p:bg>
+    <p:spTree>
+      <p:nvGrpSpPr>
+        <p:cNvPr id="1" name=""/>
+        <p:cNvGrpSpPr/>
+        <p:nvPr/>
+      </p:nvGrpSpPr>
+      <p:grpSpPr>
+        <a:xfrm>
+          <a:off x="0" y="0"/>
+          <a:ext cx="0" cy="0"/>
+          <a:chOff x="0" y="0"/>
+          <a:chExt cx="0" cy="0"/>
+        </a:xfrm>
+      </p:grpSpPr>
+      <p:sp>
+        <p:nvSpPr>
+          <p:cNvPr id="9" name="Hexagon 8">
+            <a:extLst>
+              <a:ext uri="{FF2B5EF4-FFF2-40B4-BE49-F238E27FC236}">
+                <a16:creationId xmlns:a16="http://schemas.microsoft.com/office/drawing/2014/main" id="{96DDD9D9-2E4E-44FE-978A-DA121962CAB0}"/>
+              </a:ext>
+            </a:extLst>
+          </p:cNvPr>
+          <p:cNvSpPr/>
+          <p:nvPr/>
+        </p:nvSpPr>
+        <p:spPr>
+          <a:xfrm>
+            <a:off x="6459685" y="1174750"/>
+            <a:ext cx="5229860" cy="4508500"/>
+          </a:xfrm>
+          <a:prstGeom prst="hexagon">
+            <a:avLst/>
+          </a:prstGeom>
+          <a:solidFill>
+            <a:srgbClr val="0000FF"/>
+          </a:solidFill>
+          <a:ln>
+            <a:noFill/>
+          </a:ln>
+        </p:spPr>
+        <p:style>
+          <a:lnRef idx="2">
+            <a:schemeClr val="accent1">
+              <a:shade val="50000"/>
+            </a:schemeClr>
+          </a:lnRef>
+          <a:fillRef idx="1">
+            <a:schemeClr val="accent1"/>
+          </a:fillRef>
+          <a:effectRef idx="0">
+            <a:schemeClr val="accent1"/>
+          </a:effectRef>
+          <a:fontRef idx="minor">
+            <a:schemeClr val="lt1"/>
+          </a:fontRef>
+        </p:style>
+        <p:txBody>
+          <a:bodyPr rtlCol="0" anchor="ctr"/>
+          <a:lstStyle/>
+          <a:p>
+            <a:pPr algn="ctr"/>
+            <a:endParaRPr lang="en-US"/>
+          </a:p>
+        </p:txBody>
+      </p:sp>
+      <p:pic>
+        <p:nvPicPr>
+          <p:cNvPr id="6" name="Graphic 5" descr="Brain in head with solid fill">
+            <a:extLst>
+              <a:ext uri="{FF2B5EF4-FFF2-40B4-BE49-F238E27FC236}">
+                <a16:creationId xmlns:a16="http://schemas.microsoft.com/office/drawing/2014/main" id="{DDFD0140-0BAA-44AC-AB18-2204D2CD1311}"/>
+              </a:ext>
+            </a:extLst>
+          </p:cNvPr>
+          <p:cNvPicPr>
+            <a:picLocks noChangeAspect="1"/>
+          </p:cNvPicPr>
+          <p:nvPr/>
+        </p:nvPicPr>
+        <p:blipFill>
+          <a:blip r:embed="rId2">
+            <a:extLst>
+              <a:ext uri="{28A0092B-C50C-407E-A947-70E740481C1C}">
+                <a14:useLocalDpi xmlns:a14="http://schemas.microsoft.com/office/drawing/2010/main" val="0"/>
+              </a:ext>
+              <a:ext uri="{96DAC541-7B7A-43D3-8B79-37D633B846F1}">
+                <asvg:svgBlip xmlns:asvg="http://schemas.microsoft.com/office/drawing/2016/SVG/main" r:embed="rId3"/>
+              </a:ext>
+            </a:extLst>
+          </a:blip>
+          <a:stretch>
+            <a:fillRect/>
+          </a:stretch>
+        </p:blipFill>
+        <p:spPr>
+          <a:xfrm>
+            <a:off x="7371547" y="1600200"/>
+            <a:ext cx="3657599" cy="3657599"/>
+          </a:xfrm>
+          <a:prstGeom prst="rect">
+            <a:avLst/>
+          </a:prstGeom>
+        </p:spPr>
+      </p:pic>
+      <p:sp>
+        <p:nvSpPr>
+          <p:cNvPr id="7" name="TextBox 6">
+            <a:extLst>
+              <a:ext uri="{FF2B5EF4-FFF2-40B4-BE49-F238E27FC236}">
+                <a16:creationId xmlns:a16="http://schemas.microsoft.com/office/drawing/2014/main" id="{714EFC5B-FB25-472B-817B-37E2C9F50A0B}"/>
+              </a:ext>
+            </a:extLst>
+          </p:cNvPr>
+          <p:cNvSpPr txBox="1"/>
+          <p:nvPr/>
+        </p:nvSpPr>
+        <p:spPr>
+          <a:xfrm>
+            <a:off x="502455" y="363260"/>
+            <a:ext cx="5161395" cy="1938992"/>
+          </a:xfrm>
+          <a:prstGeom prst="rect">
+            <a:avLst/>
+          </a:prstGeom>
+          <a:noFill/>
+        </p:spPr>
+        <p:txBody>
+          <a:bodyPr wrap="square" rtlCol="0">
+            <a:spAutoFit/>
+          </a:bodyPr>
+          <a:lstStyle/>
+          <a:p>
+            <a:r>
+              <a:rPr lang="en-US" sz="6000" dirty="0">
+                <a:latin typeface="Helvetica" panose="020B0604020202020204" pitchFamily="34" charset="0"/>
+                <a:cs typeface="Helvetica" panose="020B0604020202020204" pitchFamily="34" charset="0"/>
+              </a:rPr>
+              <a:t>Concussion Management</a:t>
+            </a:r>
+          </a:p>
+        </p:txBody>
+      </p:sp>
+      <p:sp>
+        <p:nvSpPr>
+          <p:cNvPr id="8" name="TextBox 7">
+            <a:extLst>
+              <a:ext uri="{FF2B5EF4-FFF2-40B4-BE49-F238E27FC236}">
+                <a16:creationId xmlns:a16="http://schemas.microsoft.com/office/drawing/2014/main" id="{3E64D6BA-194D-49C6-A0A7-CEADA70F4DF7}"/>
+              </a:ext>
+            </a:extLst>
+          </p:cNvPr>
+          <p:cNvSpPr txBox="1"/>
+          <p:nvPr/>
+        </p:nvSpPr>
+        <p:spPr>
+          <a:xfrm>
+            <a:off x="502455" y="2847587"/>
+            <a:ext cx="5713845" cy="3139321"/>
+          </a:xfrm>
+          <a:prstGeom prst="rect">
+            <a:avLst/>
+          </a:prstGeom>
+          <a:noFill/>
+        </p:spPr>
+        <p:txBody>
+          <a:bodyPr wrap="square" rtlCol="0">
+            <a:spAutoFit/>
+          </a:bodyPr>
+          <a:lstStyle/>
+          <a:p>
+            <a:r>
+              <a:rPr lang="en-US" dirty="0">
+                <a:latin typeface="Helvetica" panose="020B0604020202020204" pitchFamily="34" charset="0"/>
+                <a:cs typeface="Helvetica" panose="020B0604020202020204" pitchFamily="34" charset="0"/>
+              </a:rPr>
+              <a:t>Concussion, the most common type of traumatic brain injury, is an emergent public health issue. </a:t>
+            </a:r>
+          </a:p>
+          <a:p>
+            <a:endParaRPr lang="en-US" dirty="0">
+              <a:latin typeface="Helvetica" panose="020B0604020202020204" pitchFamily="34" charset="0"/>
+              <a:cs typeface="Helvetica" panose="020B0604020202020204" pitchFamily="34" charset="0"/>
+            </a:endParaRPr>
+          </a:p>
+          <a:p>
+            <a:r>
+              <a:rPr lang="en-US" dirty="0">
+                <a:latin typeface="Helvetica" panose="020B0604020202020204" pitchFamily="34" charset="0"/>
+                <a:cs typeface="Helvetica" panose="020B0604020202020204" pitchFamily="34" charset="0"/>
+              </a:rPr>
+              <a:t>Recent studies suggest links between concussions and </a:t>
+            </a:r>
+            <a:r>
+              <a:rPr lang="en-US" b="1" dirty="0">
+                <a:latin typeface="Helvetica" panose="020B0604020202020204" pitchFamily="34" charset="0"/>
+                <a:cs typeface="Helvetica" panose="020B0604020202020204" pitchFamily="34" charset="0"/>
+              </a:rPr>
+              <a:t>long-term consequences</a:t>
+            </a:r>
+            <a:r>
+              <a:rPr lang="en-US" dirty="0">
+                <a:latin typeface="Helvetica" panose="020B0604020202020204" pitchFamily="34" charset="0"/>
+                <a:cs typeface="Helvetica" panose="020B0604020202020204" pitchFamily="34" charset="0"/>
+              </a:rPr>
+              <a:t> such as cognitive impairment and neurodegenerative disease. </a:t>
+            </a:r>
+          </a:p>
+          <a:p>
+            <a:endParaRPr lang="en-US" dirty="0">
+              <a:latin typeface="Helvetica" panose="020B0604020202020204" pitchFamily="34" charset="0"/>
+              <a:cs typeface="Helvetica" panose="020B0604020202020204" pitchFamily="34" charset="0"/>
+            </a:endParaRPr>
+          </a:p>
+          <a:p>
+            <a:r>
+              <a:rPr lang="en-US" dirty="0">
+                <a:latin typeface="Helvetica" panose="020B0604020202020204" pitchFamily="34" charset="0"/>
+                <a:cs typeface="Helvetica" panose="020B0604020202020204" pitchFamily="34" charset="0"/>
+              </a:rPr>
+              <a:t>By combining </a:t>
+            </a:r>
+            <a:r>
+              <a:rPr lang="en-US" b="1" dirty="0">
+                <a:latin typeface="Helvetica" panose="020B0604020202020204" pitchFamily="34" charset="0"/>
+                <a:cs typeface="Helvetica" panose="020B0604020202020204" pitchFamily="34" charset="0"/>
+              </a:rPr>
+              <a:t>predictive modeling </a:t>
+            </a:r>
+            <a:r>
+              <a:rPr lang="en-US" dirty="0">
+                <a:latin typeface="Helvetica" panose="020B0604020202020204" pitchFamily="34" charset="0"/>
+                <a:cs typeface="Helvetica" panose="020B0604020202020204" pitchFamily="34" charset="0"/>
+              </a:rPr>
+              <a:t>and </a:t>
+            </a:r>
+            <a:r>
+              <a:rPr lang="en-US" b="1" dirty="0">
+                <a:latin typeface="Helvetica" panose="020B0604020202020204" pitchFamily="34" charset="0"/>
+                <a:cs typeface="Helvetica" panose="020B0604020202020204" pitchFamily="34" charset="0"/>
+              </a:rPr>
+              <a:t>data-driven stochastic optimization</a:t>
+            </a:r>
+            <a:r>
+              <a:rPr lang="en-US" dirty="0">
+                <a:latin typeface="Helvetica" panose="020B0604020202020204" pitchFamily="34" charset="0"/>
+                <a:cs typeface="Helvetica" panose="020B0604020202020204" pitchFamily="34" charset="0"/>
+              </a:rPr>
+              <a:t> methods, we develop novel methods to better identify concussion and optimize post-injury management. </a:t>
+            </a:r>
+          </a:p>
+        </p:txBody>
+      </p:sp>
+    </p:spTree>
+    <p:extLst>
+      <p:ext uri="{BB962C8B-B14F-4D97-AF65-F5344CB8AC3E}">
+        <p14:creationId xmlns:p14="http://schemas.microsoft.com/office/powerpoint/2010/main" val="2334110093"/>
+      </p:ext>
+    </p:extLst>
+  </p:cSld>
+  <p:clrMapOvr>
+    <a:masterClrMapping/>
+  </p:clrMapOvr>
+</p:sld>
+</file>
+
+<file path=ppt/slides/slide3.xml><?xml version="1.0" encoding="utf-8"?>
+<p:sld xmlns:a="http://schemas.openxmlformats.org/drawingml/2006/main" xmlns:r="http://schemas.openxmlformats.org/officeDocument/2006/relationships" xmlns:p="http://schemas.openxmlformats.org/presentationml/2006/main">
+  <p:cSld>
+    <p:bg>
+      <p:bgPr>
+        <a:solidFill>
+          <a:srgbClr val="FFE3C5"/>
+        </a:solidFill>
+        <a:effectLst/>
+      </p:bgPr>
+    </p:bg>
+    <p:spTree>
+      <p:nvGrpSpPr>
+        <p:cNvPr id="1" name=""/>
+        <p:cNvGrpSpPr/>
+        <p:nvPr/>
+      </p:nvGrpSpPr>
+      <p:grpSpPr>
+        <a:xfrm>
+          <a:off x="0" y="0"/>
+          <a:ext cx="0" cy="0"/>
+          <a:chOff x="0" y="0"/>
+          <a:chExt cx="0" cy="0"/>
+        </a:xfrm>
+      </p:grpSpPr>
+      <p:sp>
+        <p:nvSpPr>
+          <p:cNvPr id="9" name="Hexagon 8">
+            <a:extLst>
+              <a:ext uri="{FF2B5EF4-FFF2-40B4-BE49-F238E27FC236}">
+                <a16:creationId xmlns:a16="http://schemas.microsoft.com/office/drawing/2014/main" id="{96DDD9D9-2E4E-44FE-978A-DA121962CAB0}"/>
+              </a:ext>
+            </a:extLst>
+          </p:cNvPr>
+          <p:cNvSpPr/>
+          <p:nvPr/>
+        </p:nvSpPr>
+        <p:spPr>
+          <a:xfrm>
+            <a:off x="6552045" y="1174750"/>
+            <a:ext cx="5229860" cy="4508500"/>
+          </a:xfrm>
+          <a:prstGeom prst="hexagon">
+            <a:avLst/>
+          </a:prstGeom>
+          <a:solidFill>
+            <a:srgbClr val="F68100"/>
+          </a:solidFill>
+          <a:ln>
+            <a:noFill/>
+          </a:ln>
+        </p:spPr>
+        <p:style>
+          <a:lnRef idx="2">
+            <a:schemeClr val="accent1">
+              <a:shade val="50000"/>
+            </a:schemeClr>
+          </a:lnRef>
+          <a:fillRef idx="1">
+            <a:schemeClr val="accent1"/>
+          </a:fillRef>
+          <a:effectRef idx="0">
+            <a:schemeClr val="accent1"/>
+          </a:effectRef>
+          <a:fontRef idx="minor">
+            <a:schemeClr val="lt1"/>
+          </a:fontRef>
+        </p:style>
+        <p:txBody>
+          <a:bodyPr rtlCol="0" anchor="ctr"/>
+          <a:lstStyle/>
+          <a:p>
+            <a:pPr algn="ctr"/>
+            <a:endParaRPr lang="en-US"/>
+          </a:p>
+        </p:txBody>
+      </p:sp>
+      <p:sp>
+        <p:nvSpPr>
+          <p:cNvPr id="7" name="TextBox 6">
+            <a:extLst>
+              <a:ext uri="{FF2B5EF4-FFF2-40B4-BE49-F238E27FC236}">
+                <a16:creationId xmlns:a16="http://schemas.microsoft.com/office/drawing/2014/main" id="{714EFC5B-FB25-472B-817B-37E2C9F50A0B}"/>
+              </a:ext>
+            </a:extLst>
+          </p:cNvPr>
+          <p:cNvSpPr txBox="1"/>
+          <p:nvPr/>
+        </p:nvSpPr>
+        <p:spPr>
+          <a:xfrm>
+            <a:off x="505345" y="363260"/>
+            <a:ext cx="5838305" cy="1938992"/>
+          </a:xfrm>
+          <a:prstGeom prst="rect">
+            <a:avLst/>
+          </a:prstGeom>
+          <a:noFill/>
+        </p:spPr>
+        <p:txBody>
+          <a:bodyPr wrap="square" rtlCol="0">
+            <a:spAutoFit/>
+          </a:bodyPr>
+          <a:lstStyle/>
+          <a:p>
+            <a:r>
+              <a:rPr lang="en-US" sz="6000" dirty="0">
+                <a:latin typeface="Helvetica" panose="020B0604020202020204" pitchFamily="34" charset="0"/>
+                <a:cs typeface="Helvetica" panose="020B0604020202020204" pitchFamily="34" charset="0"/>
+              </a:rPr>
+              <a:t>Opioid Overdose Crisis</a:t>
+            </a:r>
+          </a:p>
+        </p:txBody>
+      </p:sp>
+      <p:sp>
+        <p:nvSpPr>
+          <p:cNvPr id="8" name="TextBox 7">
+            <a:extLst>
+              <a:ext uri="{FF2B5EF4-FFF2-40B4-BE49-F238E27FC236}">
+                <a16:creationId xmlns:a16="http://schemas.microsoft.com/office/drawing/2014/main" id="{3E64D6BA-194D-49C6-A0A7-CEADA70F4DF7}"/>
+              </a:ext>
+            </a:extLst>
+          </p:cNvPr>
+          <p:cNvSpPr txBox="1"/>
+          <p:nvPr/>
+        </p:nvSpPr>
+        <p:spPr>
+          <a:xfrm>
+            <a:off x="505345" y="2428487"/>
+            <a:ext cx="5713845" cy="3693319"/>
+          </a:xfrm>
+          <a:prstGeom prst="rect">
+            <a:avLst/>
+          </a:prstGeom>
+          <a:noFill/>
+        </p:spPr>
+        <p:txBody>
+          <a:bodyPr wrap="square" rtlCol="0">
+            <a:spAutoFit/>
+          </a:bodyPr>
+          <a:lstStyle/>
+          <a:p>
+            <a:r>
+              <a:rPr lang="en-US" dirty="0">
+                <a:latin typeface="Helvetica" panose="020B0604020202020204" pitchFamily="34" charset="0"/>
+                <a:cs typeface="Helvetica" panose="020B0604020202020204" pitchFamily="34" charset="0"/>
+              </a:rPr>
+              <a:t>In the United States, opioid overdose is a leading cause of accidental death each year, with </a:t>
+            </a:r>
+            <a:r>
+              <a:rPr lang="en-US" b="1" dirty="0">
+                <a:latin typeface="Helvetica" panose="020B0604020202020204" pitchFamily="34" charset="0"/>
+                <a:cs typeface="Helvetica" panose="020B0604020202020204" pitchFamily="34" charset="0"/>
+              </a:rPr>
+              <a:t>over 100,000 overdose deaths in 2020 alone</a:t>
+            </a:r>
+            <a:r>
+              <a:rPr lang="en-US" dirty="0">
+                <a:latin typeface="Helvetica" panose="020B0604020202020204" pitchFamily="34" charset="0"/>
+                <a:cs typeface="Helvetica" panose="020B0604020202020204" pitchFamily="34" charset="0"/>
+              </a:rPr>
+              <a:t>.</a:t>
+            </a:r>
+          </a:p>
+          <a:p>
+            <a:endParaRPr lang="en-US" dirty="0">
+              <a:latin typeface="Helvetica" panose="020B0604020202020204" pitchFamily="34" charset="0"/>
+              <a:cs typeface="Helvetica" panose="020B0604020202020204" pitchFamily="34" charset="0"/>
+            </a:endParaRPr>
+          </a:p>
+          <a:p>
+            <a:r>
+              <a:rPr lang="en-US" dirty="0">
+                <a:latin typeface="Helvetica" panose="020B0604020202020204" pitchFamily="34" charset="0"/>
+                <a:cs typeface="Helvetica" panose="020B0604020202020204" pitchFamily="34" charset="0"/>
+              </a:rPr>
+              <a:t>Real-time monitoring and surveillance of the opioid crisis is critical to enabling timely policy response. Yet, existing data reporting infrastructure is wrought with a lack of real-time and sufficiently granular data. </a:t>
+            </a:r>
+          </a:p>
+          <a:p>
+            <a:endParaRPr lang="en-US" dirty="0">
+              <a:latin typeface="Helvetica" panose="020B0604020202020204" pitchFamily="34" charset="0"/>
+              <a:cs typeface="Helvetica" panose="020B0604020202020204" pitchFamily="34" charset="0"/>
+            </a:endParaRPr>
+          </a:p>
+          <a:p>
+            <a:r>
+              <a:rPr lang="en-US" dirty="0">
+                <a:latin typeface="Helvetica" panose="020B0604020202020204" pitchFamily="34" charset="0"/>
+                <a:cs typeface="Helvetica" panose="020B0604020202020204" pitchFamily="34" charset="0"/>
+              </a:rPr>
+              <a:t>In response to these data challenges, we aim to develop novel </a:t>
+            </a:r>
+            <a:r>
+              <a:rPr lang="en-US" b="1" dirty="0">
+                <a:latin typeface="Helvetica" panose="020B0604020202020204" pitchFamily="34" charset="0"/>
+                <a:cs typeface="Helvetica" panose="020B0604020202020204" pitchFamily="34" charset="0"/>
+              </a:rPr>
+              <a:t>statistical</a:t>
+            </a:r>
+            <a:r>
+              <a:rPr lang="en-US" dirty="0">
+                <a:latin typeface="Helvetica" panose="020B0604020202020204" pitchFamily="34" charset="0"/>
+                <a:cs typeface="Helvetica" panose="020B0604020202020204" pitchFamily="34" charset="0"/>
+              </a:rPr>
+              <a:t> and </a:t>
+            </a:r>
+            <a:r>
+              <a:rPr lang="en-US" b="1" dirty="0">
+                <a:latin typeface="Helvetica" panose="020B0604020202020204" pitchFamily="34" charset="0"/>
+                <a:cs typeface="Helvetica" panose="020B0604020202020204" pitchFamily="34" charset="0"/>
+              </a:rPr>
+              <a:t>machine learning </a:t>
+            </a:r>
+            <a:r>
+              <a:rPr lang="en-US" dirty="0">
+                <a:latin typeface="Helvetica" panose="020B0604020202020204" pitchFamily="34" charset="0"/>
+                <a:cs typeface="Helvetica" panose="020B0604020202020204" pitchFamily="34" charset="0"/>
+              </a:rPr>
+              <a:t>methods to facilitate the near real-time </a:t>
+            </a:r>
+            <a:r>
+              <a:rPr lang="en-US" dirty="0" err="1">
+                <a:latin typeface="Helvetica" panose="020B0604020202020204" pitchFamily="34" charset="0"/>
+                <a:cs typeface="Helvetica" panose="020B0604020202020204" pitchFamily="34" charset="0"/>
+              </a:rPr>
+              <a:t>spatio</a:t>
+            </a:r>
+            <a:r>
+              <a:rPr lang="en-US" dirty="0">
+                <a:latin typeface="Helvetica" panose="020B0604020202020204" pitchFamily="34" charset="0"/>
+                <a:cs typeface="Helvetica" panose="020B0604020202020204" pitchFamily="34" charset="0"/>
+              </a:rPr>
+              <a:t>-temporal monitoring and surveillance of opioid overdose deaths.</a:t>
+            </a:r>
+          </a:p>
+        </p:txBody>
+      </p:sp>
+      <p:pic>
+        <p:nvPicPr>
+          <p:cNvPr id="3" name="Graphic 2" descr="Medicine with solid fill">
+            <a:extLst>
+              <a:ext uri="{FF2B5EF4-FFF2-40B4-BE49-F238E27FC236}">
+                <a16:creationId xmlns:a16="http://schemas.microsoft.com/office/drawing/2014/main" id="{05A34532-905F-4DC9-992F-2F303007CE17}"/>
+              </a:ext>
+            </a:extLst>
+          </p:cNvPr>
+          <p:cNvPicPr>
+            <a:picLocks noChangeAspect="1"/>
+          </p:cNvPicPr>
+          <p:nvPr/>
+        </p:nvPicPr>
+        <p:blipFill>
+          <a:blip r:embed="rId2">
+            <a:extLst>
+              <a:ext uri="{28A0092B-C50C-407E-A947-70E740481C1C}">
+                <a14:useLocalDpi xmlns:a14="http://schemas.microsoft.com/office/drawing/2010/main" val="0"/>
+              </a:ext>
+              <a:ext uri="{96DAC541-7B7A-43D3-8B79-37D633B846F1}">
+                <asvg:svgBlip xmlns:asvg="http://schemas.microsoft.com/office/drawing/2016/SVG/main" r:embed="rId3"/>
+              </a:ext>
+            </a:extLst>
+          </a:blip>
+          <a:stretch>
+            <a:fillRect/>
+          </a:stretch>
+        </p:blipFill>
+        <p:spPr>
+          <a:xfrm>
+            <a:off x="7937500" y="2006600"/>
+            <a:ext cx="2844800" cy="2844800"/>
+          </a:xfrm>
+          <a:prstGeom prst="rect">
+            <a:avLst/>
+          </a:prstGeom>
+        </p:spPr>
+      </p:pic>
+    </p:spTree>
+    <p:extLst>
+      <p:ext uri="{BB962C8B-B14F-4D97-AF65-F5344CB8AC3E}">
+        <p14:creationId xmlns:p14="http://schemas.microsoft.com/office/powerpoint/2010/main" val="1241932393"/>
+      </p:ext>
+    </p:extLst>
+  </p:cSld>
+  <p:clrMapOvr>
+    <a:masterClrMapping/>
+  </p:clrMapOvr>
+</p:sld>
+</file>
+
+<file path=ppt/slides/slide4.xml><?xml version="1.0" encoding="utf-8"?>
+<p:sld xmlns:a="http://schemas.openxmlformats.org/drawingml/2006/main" xmlns:r="http://schemas.openxmlformats.org/officeDocument/2006/relationships" xmlns:p="http://schemas.openxmlformats.org/presentationml/2006/main">
+  <p:cSld>
+    <p:bg>
+      <p:bgPr>
+        <a:solidFill>
+          <a:srgbClr val="DDDDFF"/>
+        </a:solidFill>
+        <a:effectLst/>
+      </p:bgPr>
+    </p:bg>
+    <p:spTree>
+      <p:nvGrpSpPr>
+        <p:cNvPr id="1" name=""/>
+        <p:cNvGrpSpPr/>
+        <p:nvPr/>
+      </p:nvGrpSpPr>
+      <p:grpSpPr>
+        <a:xfrm>
+          <a:off x="0" y="0"/>
+          <a:ext cx="0" cy="0"/>
+          <a:chOff x="0" y="0"/>
+          <a:chExt cx="0" cy="0"/>
+        </a:xfrm>
+      </p:grpSpPr>
+      <p:grpSp>
+        <p:nvGrpSpPr>
+          <p:cNvPr id="5" name="Group 4">
+            <a:extLst>
+              <a:ext uri="{FF2B5EF4-FFF2-40B4-BE49-F238E27FC236}">
+                <a16:creationId xmlns:a16="http://schemas.microsoft.com/office/drawing/2014/main" id="{7E3A99BB-2082-443A-8851-A51E86A7F5E3}"/>
+              </a:ext>
+            </a:extLst>
+          </p:cNvPr>
+          <p:cNvGrpSpPr/>
+          <p:nvPr/>
+        </p:nvGrpSpPr>
+        <p:grpSpPr>
+          <a:xfrm>
+            <a:off x="2688774" y="174171"/>
+            <a:ext cx="6814452" cy="5390263"/>
+            <a:chOff x="2688774" y="363260"/>
+            <a:chExt cx="6814452" cy="5390263"/>
+          </a:xfrm>
+        </p:grpSpPr>
+        <p:sp>
+          <p:nvSpPr>
+            <p:cNvPr id="7" name="TextBox 6">
+              <a:extLst>
+                <a:ext uri="{FF2B5EF4-FFF2-40B4-BE49-F238E27FC236}">
+                  <a16:creationId xmlns:a16="http://schemas.microsoft.com/office/drawing/2014/main" id="{714EFC5B-FB25-472B-817B-37E2C9F50A0B}"/>
+                </a:ext>
+              </a:extLst>
+            </p:cNvPr>
+            <p:cNvSpPr txBox="1"/>
+            <p:nvPr/>
+          </p:nvSpPr>
+          <p:spPr>
+            <a:xfrm>
+              <a:off x="2688774" y="363260"/>
+              <a:ext cx="6812280" cy="1754326"/>
+            </a:xfrm>
+            <a:prstGeom prst="rect">
+              <a:avLst/>
+            </a:prstGeom>
+            <a:noFill/>
+          </p:spPr>
+          <p:txBody>
+            <a:bodyPr wrap="square" rtlCol="0">
+              <a:spAutoFit/>
+            </a:bodyPr>
+            <a:lstStyle/>
+            <a:p>
+              <a:r>
+                <a:rPr lang="en-US" sz="5400" b="1" dirty="0">
+                  <a:latin typeface="Helvetica" panose="020B0604020202020204" pitchFamily="34" charset="0"/>
+                  <a:cs typeface="Helvetica" panose="020B0604020202020204" pitchFamily="34" charset="0"/>
+                </a:rPr>
+                <a:t>Concussion Management</a:t>
+              </a:r>
+            </a:p>
+          </p:txBody>
+        </p:sp>
+        <p:sp>
+          <p:nvSpPr>
+            <p:cNvPr id="8" name="TextBox 7">
+              <a:extLst>
+                <a:ext uri="{FF2B5EF4-FFF2-40B4-BE49-F238E27FC236}">
+                  <a16:creationId xmlns:a16="http://schemas.microsoft.com/office/drawing/2014/main" id="{3E64D6BA-194D-49C6-A0A7-CEADA70F4DF7}"/>
+                </a:ext>
+              </a:extLst>
+            </p:cNvPr>
+            <p:cNvSpPr txBox="1"/>
+            <p:nvPr/>
+          </p:nvSpPr>
+          <p:spPr>
+            <a:xfrm>
+              <a:off x="2688775" y="2275648"/>
+              <a:ext cx="6814451" cy="3477875"/>
+            </a:xfrm>
+            <a:prstGeom prst="rect">
+              <a:avLst/>
+            </a:prstGeom>
+            <a:noFill/>
+          </p:spPr>
+          <p:txBody>
+            <a:bodyPr wrap="square" rtlCol="0">
+              <a:spAutoFit/>
+            </a:bodyPr>
+            <a:lstStyle/>
+            <a:p>
+              <a:r>
+                <a:rPr lang="en-US" sz="2000" dirty="0">
+                  <a:latin typeface="Helvetica" panose="020B0604020202020204" pitchFamily="34" charset="0"/>
+                  <a:cs typeface="Helvetica" panose="020B0604020202020204" pitchFamily="34" charset="0"/>
+                </a:rPr>
+                <a:t>Concussion, the most common type of traumatic brain injury, is an emergent public health issue. </a:t>
+              </a:r>
+            </a:p>
+            <a:p>
+              <a:endParaRPr lang="en-US" sz="2000" dirty="0">
+                <a:latin typeface="Helvetica" panose="020B0604020202020204" pitchFamily="34" charset="0"/>
+                <a:cs typeface="Helvetica" panose="020B0604020202020204" pitchFamily="34" charset="0"/>
+              </a:endParaRPr>
+            </a:p>
+            <a:p>
+              <a:r>
+                <a:rPr lang="en-US" sz="2000" dirty="0">
+                  <a:latin typeface="Helvetica" panose="020B0604020202020204" pitchFamily="34" charset="0"/>
+                  <a:cs typeface="Helvetica" panose="020B0604020202020204" pitchFamily="34" charset="0"/>
+                </a:rPr>
+                <a:t>Recent studies suggest links between concussions and </a:t>
+              </a:r>
+              <a:r>
+                <a:rPr lang="en-US" sz="2000" b="1" dirty="0">
+                  <a:latin typeface="Helvetica" panose="020B0604020202020204" pitchFamily="34" charset="0"/>
+                  <a:cs typeface="Helvetica" panose="020B0604020202020204" pitchFamily="34" charset="0"/>
+                </a:rPr>
+                <a:t>long-term consequences</a:t>
+              </a:r>
+              <a:r>
+                <a:rPr lang="en-US" sz="2000" dirty="0">
+                  <a:latin typeface="Helvetica" panose="020B0604020202020204" pitchFamily="34" charset="0"/>
+                  <a:cs typeface="Helvetica" panose="020B0604020202020204" pitchFamily="34" charset="0"/>
+                </a:rPr>
+                <a:t> such as cognitive impairment and neurodegenerative disease. </a:t>
+              </a:r>
+            </a:p>
+            <a:p>
+              <a:endParaRPr lang="en-US" sz="2000" dirty="0">
+                <a:latin typeface="Helvetica" panose="020B0604020202020204" pitchFamily="34" charset="0"/>
+                <a:cs typeface="Helvetica" panose="020B0604020202020204" pitchFamily="34" charset="0"/>
+              </a:endParaRPr>
+            </a:p>
+            <a:p>
+              <a:r>
+                <a:rPr lang="en-US" sz="2000" dirty="0">
+                  <a:latin typeface="Helvetica" panose="020B0604020202020204" pitchFamily="34" charset="0"/>
+                  <a:cs typeface="Helvetica" panose="020B0604020202020204" pitchFamily="34" charset="0"/>
+                </a:rPr>
+                <a:t>By combining </a:t>
+              </a:r>
+              <a:r>
+                <a:rPr lang="en-US" sz="2000" b="1" dirty="0">
+                  <a:latin typeface="Helvetica" panose="020B0604020202020204" pitchFamily="34" charset="0"/>
+                  <a:cs typeface="Helvetica" panose="020B0604020202020204" pitchFamily="34" charset="0"/>
+                </a:rPr>
+                <a:t>predictive modeling </a:t>
+              </a:r>
+              <a:r>
+                <a:rPr lang="en-US" sz="2000" dirty="0">
+                  <a:latin typeface="Helvetica" panose="020B0604020202020204" pitchFamily="34" charset="0"/>
+                  <a:cs typeface="Helvetica" panose="020B0604020202020204" pitchFamily="34" charset="0"/>
+                </a:rPr>
+                <a:t>and </a:t>
+              </a:r>
+              <a:r>
+                <a:rPr lang="en-US" sz="2000" b="1" dirty="0">
+                  <a:latin typeface="Helvetica" panose="020B0604020202020204" pitchFamily="34" charset="0"/>
+                  <a:cs typeface="Helvetica" panose="020B0604020202020204" pitchFamily="34" charset="0"/>
+                </a:rPr>
+                <a:t>data-driven stochastic optimization</a:t>
+              </a:r>
+              <a:r>
+                <a:rPr lang="en-US" sz="2000" dirty="0">
+                  <a:latin typeface="Helvetica" panose="020B0604020202020204" pitchFamily="34" charset="0"/>
+                  <a:cs typeface="Helvetica" panose="020B0604020202020204" pitchFamily="34" charset="0"/>
+                </a:rPr>
+                <a:t> methods, we develop novel methods to better identify concussion and optimize post-injury management. </a:t>
+              </a:r>
+            </a:p>
+          </p:txBody>
+        </p:sp>
+        <p:grpSp>
+          <p:nvGrpSpPr>
+            <p:cNvPr id="4" name="Group 3">
+              <a:extLst>
+                <a:ext uri="{FF2B5EF4-FFF2-40B4-BE49-F238E27FC236}">
+                  <a16:creationId xmlns:a16="http://schemas.microsoft.com/office/drawing/2014/main" id="{04039A33-3A84-4FA3-A63A-A65AE444870D}"/>
+                </a:ext>
+              </a:extLst>
+            </p:cNvPr>
+            <p:cNvGrpSpPr/>
+            <p:nvPr/>
+          </p:nvGrpSpPr>
+          <p:grpSpPr>
+            <a:xfrm>
+              <a:off x="7832740" y="521322"/>
+              <a:ext cx="1668314" cy="1438202"/>
+              <a:chOff x="9250406" y="965743"/>
+              <a:chExt cx="1668314" cy="1438202"/>
+            </a:xfrm>
+          </p:grpSpPr>
+          <p:sp>
+            <p:nvSpPr>
+              <p:cNvPr id="10" name="Hexagon 9">
+                <a:extLst>
+                  <a:ext uri="{FF2B5EF4-FFF2-40B4-BE49-F238E27FC236}">
+                    <a16:creationId xmlns:a16="http://schemas.microsoft.com/office/drawing/2014/main" id="{300EF85A-C90D-4573-89D3-AC13D2812EFB}"/>
+                  </a:ext>
+                </a:extLst>
+              </p:cNvPr>
+              <p:cNvSpPr/>
+              <p:nvPr/>
+            </p:nvSpPr>
+            <p:spPr>
+              <a:xfrm>
+                <a:off x="9250406" y="965743"/>
+                <a:ext cx="1668314" cy="1438202"/>
+              </a:xfrm>
+              <a:prstGeom prst="hexagon">
+                <a:avLst/>
+              </a:prstGeom>
+              <a:solidFill>
+                <a:srgbClr val="0000FF"/>
+              </a:solidFill>
+              <a:ln>
+                <a:noFill/>
+              </a:ln>
+            </p:spPr>
+            <p:style>
+              <a:lnRef idx="2">
+                <a:schemeClr val="accent1">
+                  <a:shade val="50000"/>
+                </a:schemeClr>
+              </a:lnRef>
+              <a:fillRef idx="1">
+                <a:schemeClr val="accent1"/>
+              </a:fillRef>
+              <a:effectRef idx="0">
+                <a:schemeClr val="accent1"/>
+              </a:effectRef>
+              <a:fontRef idx="minor">
+                <a:schemeClr val="lt1"/>
+              </a:fontRef>
+            </p:style>
+            <p:txBody>
+              <a:bodyPr rtlCol="0" anchor="ctr"/>
+              <a:lstStyle/>
+              <a:p>
+                <a:pPr algn="ctr"/>
+                <a:endParaRPr lang="en-US"/>
+              </a:p>
+            </p:txBody>
+          </p:sp>
+          <p:pic>
+            <p:nvPicPr>
+              <p:cNvPr id="6" name="Graphic 5" descr="Brain in head with solid fill">
+                <a:extLst>
+                  <a:ext uri="{FF2B5EF4-FFF2-40B4-BE49-F238E27FC236}">
+                    <a16:creationId xmlns:a16="http://schemas.microsoft.com/office/drawing/2014/main" id="{DDFD0140-0BAA-44AC-AB18-2204D2CD1311}"/>
+                  </a:ext>
+                </a:extLst>
+              </p:cNvPr>
+              <p:cNvPicPr>
+                <a:picLocks noChangeAspect="1"/>
+              </p:cNvPicPr>
+              <p:nvPr/>
+            </p:nvPicPr>
+            <p:blipFill>
+              <a:blip r:embed="rId2">
+                <a:extLst>
+                  <a:ext uri="{28A0092B-C50C-407E-A947-70E740481C1C}">
+                    <a14:useLocalDpi xmlns:a14="http://schemas.microsoft.com/office/drawing/2010/main" val="0"/>
+                  </a:ext>
+                  <a:ext uri="{96DAC541-7B7A-43D3-8B79-37D633B846F1}">
+                    <asvg:svgBlip xmlns:asvg="http://schemas.microsoft.com/office/drawing/2016/SVG/main" r:embed="rId3"/>
+                  </a:ext>
+                </a:extLst>
+              </a:blip>
+              <a:stretch>
+                <a:fillRect/>
+              </a:stretch>
+            </p:blipFill>
+            <p:spPr>
+              <a:xfrm>
+                <a:off x="9525688" y="1125969"/>
+                <a:ext cx="1117750" cy="1117750"/>
+              </a:xfrm>
+              <a:prstGeom prst="rect">
+                <a:avLst/>
+              </a:prstGeom>
+            </p:spPr>
+          </p:pic>
+        </p:grpSp>
+      </p:grpSp>
+    </p:spTree>
+    <p:extLst>
+      <p:ext uri="{BB962C8B-B14F-4D97-AF65-F5344CB8AC3E}">
+        <p14:creationId xmlns:p14="http://schemas.microsoft.com/office/powerpoint/2010/main" val="276229860"/>
+      </p:ext>
+    </p:extLst>
+  </p:cSld>
+  <p:clrMapOvr>
+    <a:masterClrMapping/>
+  </p:clrMapOvr>
+</p:sld>
+</file>
+
+<file path=ppt/slides/slide5.xml><?xml version="1.0" encoding="utf-8"?>
+<p:sld xmlns:a="http://schemas.openxmlformats.org/drawingml/2006/main" xmlns:r="http://schemas.openxmlformats.org/officeDocument/2006/relationships" xmlns:p="http://schemas.openxmlformats.org/presentationml/2006/main">
+  <p:cSld>
+    <p:bg>
+      <p:bgPr>
+        <a:solidFill>
+          <a:srgbClr val="FFE3C5"/>
+        </a:solidFill>
+        <a:effectLst/>
+      </p:bgPr>
+    </p:bg>
+    <p:spTree>
+      <p:nvGrpSpPr>
+        <p:cNvPr id="1" name=""/>
+        <p:cNvGrpSpPr/>
+        <p:nvPr/>
+      </p:nvGrpSpPr>
+      <p:grpSpPr>
+        <a:xfrm>
+          <a:off x="0" y="0"/>
+          <a:ext cx="0" cy="0"/>
+          <a:chOff x="0" y="0"/>
+          <a:chExt cx="0" cy="0"/>
+        </a:xfrm>
+      </p:grpSpPr>
+      <p:grpSp>
+        <p:nvGrpSpPr>
+          <p:cNvPr id="15" name="Group 14">
+            <a:extLst>
+              <a:ext uri="{FF2B5EF4-FFF2-40B4-BE49-F238E27FC236}">
+                <a16:creationId xmlns:a16="http://schemas.microsoft.com/office/drawing/2014/main" id="{BD172417-05EE-4BB0-9339-D0E34509BFC5}"/>
+              </a:ext>
+            </a:extLst>
+          </p:cNvPr>
+          <p:cNvGrpSpPr/>
+          <p:nvPr/>
+        </p:nvGrpSpPr>
+        <p:grpSpPr>
+          <a:xfrm>
+            <a:off x="2621612" y="375130"/>
+            <a:ext cx="6948776" cy="5362199"/>
+            <a:chOff x="2619787" y="369314"/>
+            <a:chExt cx="6948776" cy="5362199"/>
+          </a:xfrm>
+        </p:grpSpPr>
+        <p:sp>
+          <p:nvSpPr>
+            <p:cNvPr id="8" name="TextBox 7">
+              <a:extLst>
+                <a:ext uri="{FF2B5EF4-FFF2-40B4-BE49-F238E27FC236}">
+                  <a16:creationId xmlns:a16="http://schemas.microsoft.com/office/drawing/2014/main" id="{3E64D6BA-194D-49C6-A0A7-CEADA70F4DF7}"/>
+                </a:ext>
+              </a:extLst>
+            </p:cNvPr>
+            <p:cNvSpPr txBox="1"/>
+            <p:nvPr/>
+          </p:nvSpPr>
+          <p:spPr>
+            <a:xfrm>
+              <a:off x="2623437" y="2253638"/>
+              <a:ext cx="6945126" cy="3477875"/>
+            </a:xfrm>
+            <a:prstGeom prst="rect">
+              <a:avLst/>
+            </a:prstGeom>
+            <a:noFill/>
+          </p:spPr>
+          <p:txBody>
+            <a:bodyPr wrap="square" rtlCol="0">
+              <a:spAutoFit/>
+            </a:bodyPr>
+            <a:lstStyle/>
+            <a:p>
+              <a:r>
+                <a:rPr lang="en-US" sz="2000" dirty="0">
+                  <a:latin typeface="Helvetica" panose="020B0604020202020204" pitchFamily="34" charset="0"/>
+                  <a:cs typeface="Helvetica" panose="020B0604020202020204" pitchFamily="34" charset="0"/>
+                </a:rPr>
+                <a:t>In the United States, opioid overdose is a leading cause of accidental death each year, with </a:t>
+              </a:r>
+              <a:r>
+                <a:rPr lang="en-US" sz="2000" b="1" dirty="0">
+                  <a:latin typeface="Helvetica" panose="020B0604020202020204" pitchFamily="34" charset="0"/>
+                  <a:cs typeface="Helvetica" panose="020B0604020202020204" pitchFamily="34" charset="0"/>
+                </a:rPr>
+                <a:t>over 100,000 overdose deaths in 2020 alone</a:t>
+              </a:r>
+              <a:r>
+                <a:rPr lang="en-US" sz="2000" dirty="0">
+                  <a:latin typeface="Helvetica" panose="020B0604020202020204" pitchFamily="34" charset="0"/>
+                  <a:cs typeface="Helvetica" panose="020B0604020202020204" pitchFamily="34" charset="0"/>
+                </a:rPr>
+                <a:t>.</a:t>
+              </a:r>
+            </a:p>
+            <a:p>
+              <a:endParaRPr lang="en-US" sz="2000" dirty="0">
+                <a:latin typeface="Helvetica" panose="020B0604020202020204" pitchFamily="34" charset="0"/>
+                <a:cs typeface="Helvetica" panose="020B0604020202020204" pitchFamily="34" charset="0"/>
+              </a:endParaRPr>
+            </a:p>
+            <a:p>
+              <a:r>
+                <a:rPr lang="en-US" sz="2000" dirty="0">
+                  <a:latin typeface="Helvetica" panose="020B0604020202020204" pitchFamily="34" charset="0"/>
+                  <a:cs typeface="Helvetica" panose="020B0604020202020204" pitchFamily="34" charset="0"/>
+                </a:rPr>
+                <a:t>Real-time surveillance of the opioid crisis is critical to enabling timely policy response. Yet, existing infrastructure lacks real-time and sufficiently granular data. </a:t>
+              </a:r>
+            </a:p>
+            <a:p>
+              <a:endParaRPr lang="en-US" sz="2000" dirty="0">
+                <a:latin typeface="Helvetica" panose="020B0604020202020204" pitchFamily="34" charset="0"/>
+                <a:cs typeface="Helvetica" panose="020B0604020202020204" pitchFamily="34" charset="0"/>
+              </a:endParaRPr>
+            </a:p>
+            <a:p>
+              <a:r>
+                <a:rPr lang="en-US" sz="2000" dirty="0">
+                  <a:latin typeface="Helvetica" panose="020B0604020202020204" pitchFamily="34" charset="0"/>
+                  <a:cs typeface="Helvetica" panose="020B0604020202020204" pitchFamily="34" charset="0"/>
+                </a:rPr>
+                <a:t>We aim to develop novel </a:t>
+              </a:r>
+              <a:r>
+                <a:rPr lang="en-US" sz="2000" b="1" dirty="0">
+                  <a:latin typeface="Helvetica" panose="020B0604020202020204" pitchFamily="34" charset="0"/>
+                  <a:cs typeface="Helvetica" panose="020B0604020202020204" pitchFamily="34" charset="0"/>
+                </a:rPr>
+                <a:t>statistical</a:t>
+              </a:r>
+              <a:r>
+                <a:rPr lang="en-US" sz="2000" dirty="0">
+                  <a:latin typeface="Helvetica" panose="020B0604020202020204" pitchFamily="34" charset="0"/>
+                  <a:cs typeface="Helvetica" panose="020B0604020202020204" pitchFamily="34" charset="0"/>
+                </a:rPr>
+                <a:t> and </a:t>
+              </a:r>
+              <a:r>
+                <a:rPr lang="en-US" sz="2000" b="1" dirty="0">
+                  <a:latin typeface="Helvetica" panose="020B0604020202020204" pitchFamily="34" charset="0"/>
+                  <a:cs typeface="Helvetica" panose="020B0604020202020204" pitchFamily="34" charset="0"/>
+                </a:rPr>
+                <a:t>machine learning </a:t>
+              </a:r>
+              <a:r>
+                <a:rPr lang="en-US" sz="2000" dirty="0">
+                  <a:latin typeface="Helvetica" panose="020B0604020202020204" pitchFamily="34" charset="0"/>
+                  <a:cs typeface="Helvetica" panose="020B0604020202020204" pitchFamily="34" charset="0"/>
+                </a:rPr>
+                <a:t>methods to facilitate the near real-time </a:t>
+              </a:r>
+              <a:r>
+                <a:rPr lang="en-US" sz="2000" dirty="0" err="1">
+                  <a:latin typeface="Helvetica" panose="020B0604020202020204" pitchFamily="34" charset="0"/>
+                  <a:cs typeface="Helvetica" panose="020B0604020202020204" pitchFamily="34" charset="0"/>
+                </a:rPr>
+                <a:t>spatio</a:t>
+              </a:r>
+              <a:r>
+                <a:rPr lang="en-US" sz="2000" dirty="0">
+                  <a:latin typeface="Helvetica" panose="020B0604020202020204" pitchFamily="34" charset="0"/>
+                  <a:cs typeface="Helvetica" panose="020B0604020202020204" pitchFamily="34" charset="0"/>
+                </a:rPr>
+                <a:t>-temporal monitoring and surveillance of opioid overdose deaths.</a:t>
+              </a:r>
+            </a:p>
+          </p:txBody>
+        </p:sp>
+        <p:sp>
+          <p:nvSpPr>
+            <p:cNvPr id="7" name="TextBox 6">
+              <a:extLst>
+                <a:ext uri="{FF2B5EF4-FFF2-40B4-BE49-F238E27FC236}">
+                  <a16:creationId xmlns:a16="http://schemas.microsoft.com/office/drawing/2014/main" id="{714EFC5B-FB25-472B-817B-37E2C9F50A0B}"/>
+                </a:ext>
+              </a:extLst>
+            </p:cNvPr>
+            <p:cNvSpPr txBox="1"/>
+            <p:nvPr/>
+          </p:nvSpPr>
+          <p:spPr>
+            <a:xfrm>
+              <a:off x="2619787" y="626750"/>
+              <a:ext cx="6812280" cy="923330"/>
+            </a:xfrm>
+            <a:prstGeom prst="rect">
+              <a:avLst/>
+            </a:prstGeom>
+            <a:noFill/>
+          </p:spPr>
+          <p:txBody>
+            <a:bodyPr wrap="square" rtlCol="0">
+              <a:spAutoFit/>
+            </a:bodyPr>
+            <a:lstStyle/>
+            <a:p>
+              <a:r>
+                <a:rPr lang="en-US" sz="5400" b="1" dirty="0">
+                  <a:latin typeface="Helvetica" panose="020B0604020202020204" pitchFamily="34" charset="0"/>
+                  <a:cs typeface="Helvetica" panose="020B0604020202020204" pitchFamily="34" charset="0"/>
+                </a:rPr>
+                <a:t>Opioid Crisis</a:t>
+              </a:r>
+            </a:p>
+          </p:txBody>
+        </p:sp>
+        <p:grpSp>
+          <p:nvGrpSpPr>
+            <p:cNvPr id="14" name="Group 13">
+              <a:extLst>
+                <a:ext uri="{FF2B5EF4-FFF2-40B4-BE49-F238E27FC236}">
+                  <a16:creationId xmlns:a16="http://schemas.microsoft.com/office/drawing/2014/main" id="{9238681B-92F8-4DC9-A786-ABF41ABFA5D7}"/>
+                </a:ext>
+              </a:extLst>
+            </p:cNvPr>
+            <p:cNvGrpSpPr/>
+            <p:nvPr/>
+          </p:nvGrpSpPr>
+          <p:grpSpPr>
+            <a:xfrm>
+              <a:off x="7763753" y="369314"/>
+              <a:ext cx="1668314" cy="1438202"/>
+              <a:chOff x="8597911" y="610617"/>
+              <a:chExt cx="1668314" cy="1438202"/>
+            </a:xfrm>
+          </p:grpSpPr>
+          <p:sp>
+            <p:nvSpPr>
+              <p:cNvPr id="13" name="Hexagon 12">
+                <a:extLst>
+                  <a:ext uri="{FF2B5EF4-FFF2-40B4-BE49-F238E27FC236}">
+                    <a16:creationId xmlns:a16="http://schemas.microsoft.com/office/drawing/2014/main" id="{7952A856-1F75-48C2-91B6-9228AD0589F8}"/>
+                  </a:ext>
+                </a:extLst>
+              </p:cNvPr>
+              <p:cNvSpPr/>
+              <p:nvPr/>
+            </p:nvSpPr>
+            <p:spPr>
+              <a:xfrm>
+                <a:off x="8597911" y="610617"/>
+                <a:ext cx="1668314" cy="1438202"/>
+              </a:xfrm>
+              <a:prstGeom prst="hexagon">
+                <a:avLst/>
+              </a:prstGeom>
+              <a:solidFill>
+                <a:srgbClr val="F68100"/>
+              </a:solidFill>
+              <a:ln>
+                <a:noFill/>
+              </a:ln>
+            </p:spPr>
+            <p:style>
+              <a:lnRef idx="2">
+                <a:schemeClr val="accent1">
+                  <a:shade val="50000"/>
+                </a:schemeClr>
+              </a:lnRef>
+              <a:fillRef idx="1">
+                <a:schemeClr val="accent1"/>
+              </a:fillRef>
+              <a:effectRef idx="0">
+                <a:schemeClr val="accent1"/>
+              </a:effectRef>
+              <a:fontRef idx="minor">
+                <a:schemeClr val="lt1"/>
+              </a:fontRef>
+            </p:style>
+            <p:txBody>
+              <a:bodyPr rtlCol="0" anchor="ctr"/>
+              <a:lstStyle/>
+              <a:p>
+                <a:pPr algn="ctr"/>
+                <a:endParaRPr lang="en-US"/>
+              </a:p>
+            </p:txBody>
+          </p:sp>
+          <p:pic>
+            <p:nvPicPr>
+              <p:cNvPr id="3" name="Graphic 2" descr="Medicine with solid fill">
+                <a:extLst>
+                  <a:ext uri="{FF2B5EF4-FFF2-40B4-BE49-F238E27FC236}">
+                    <a16:creationId xmlns:a16="http://schemas.microsoft.com/office/drawing/2014/main" id="{05A34532-905F-4DC9-992F-2F303007CE17}"/>
+                  </a:ext>
+                </a:extLst>
+              </p:cNvPr>
+              <p:cNvPicPr>
+                <a:picLocks noChangeAspect="1"/>
+              </p:cNvPicPr>
+              <p:nvPr/>
+            </p:nvPicPr>
+            <p:blipFill>
+              <a:blip r:embed="rId2">
+                <a:extLst>
+                  <a:ext uri="{28A0092B-C50C-407E-A947-70E740481C1C}">
+                    <a14:useLocalDpi xmlns:a14="http://schemas.microsoft.com/office/drawing/2010/main" val="0"/>
+                  </a:ext>
+                  <a:ext uri="{96DAC541-7B7A-43D3-8B79-37D633B846F1}">
+                    <asvg:svgBlip xmlns:asvg="http://schemas.microsoft.com/office/drawing/2016/SVG/main" r:embed="rId3"/>
+                  </a:ext>
+                </a:extLst>
+              </a:blip>
+              <a:stretch>
+                <a:fillRect/>
+              </a:stretch>
+            </p:blipFill>
+            <p:spPr>
+              <a:xfrm>
+                <a:off x="8868095" y="765745"/>
+                <a:ext cx="1127946" cy="1127945"/>
+              </a:xfrm>
+              <a:prstGeom prst="rect">
+                <a:avLst/>
+              </a:prstGeom>
+            </p:spPr>
+          </p:pic>
+        </p:grpSp>
+      </p:grpSp>
+    </p:spTree>
+    <p:extLst>
+      <p:ext uri="{BB962C8B-B14F-4D97-AF65-F5344CB8AC3E}">
+        <p14:creationId xmlns:p14="http://schemas.microsoft.com/office/powerpoint/2010/main" val="2027254894"/>
+      </p:ext>
+    </p:extLst>
+  </p:cSld>
+  <p:clrMapOvr>
+    <a:masterClrMapping/>
+  </p:clrMapOvr>
+</p:sld>
+</file>
+
+<file path=ppt/slides/slide6.xml><?xml version="1.0" encoding="utf-8"?>
+<p:sld xmlns:a="http://schemas.openxmlformats.org/drawingml/2006/main" xmlns:r="http://schemas.openxmlformats.org/officeDocument/2006/relationships" xmlns:p="http://schemas.openxmlformats.org/presentationml/2006/main">
+  <p:cSld>
+    <p:bg>
+      <p:bgPr>
+        <a:solidFill>
+          <a:srgbClr val="FFDDDD"/>
+        </a:solidFill>
+        <a:effectLst/>
+      </p:bgPr>
+    </p:bg>
+    <p:spTree>
+      <p:nvGrpSpPr>
+        <p:cNvPr id="1" name=""/>
+        <p:cNvGrpSpPr/>
+        <p:nvPr/>
+      </p:nvGrpSpPr>
+      <p:grpSpPr>
+        <a:xfrm>
+          <a:off x="0" y="0"/>
+          <a:ext cx="0" cy="0"/>
+          <a:chOff x="0" y="0"/>
+          <a:chExt cx="0" cy="0"/>
+        </a:xfrm>
+      </p:grpSpPr>
+      <p:grpSp>
+        <p:nvGrpSpPr>
+          <p:cNvPr id="11" name="Group 10">
+            <a:extLst>
+              <a:ext uri="{FF2B5EF4-FFF2-40B4-BE49-F238E27FC236}">
+                <a16:creationId xmlns:a16="http://schemas.microsoft.com/office/drawing/2014/main" id="{9D3E5EFB-132A-4DF4-852C-C6EAC0E5B558}"/>
+              </a:ext>
+            </a:extLst>
+          </p:cNvPr>
+          <p:cNvGrpSpPr/>
+          <p:nvPr/>
+        </p:nvGrpSpPr>
+        <p:grpSpPr>
+          <a:xfrm>
+            <a:off x="2689860" y="174171"/>
+            <a:ext cx="6812280" cy="5421608"/>
+            <a:chOff x="2573746" y="340321"/>
+            <a:chExt cx="6812280" cy="5421608"/>
+          </a:xfrm>
+        </p:grpSpPr>
+        <p:sp>
+          <p:nvSpPr>
+            <p:cNvPr id="7" name="TextBox 6">
+              <a:extLst>
+                <a:ext uri="{FF2B5EF4-FFF2-40B4-BE49-F238E27FC236}">
+                  <a16:creationId xmlns:a16="http://schemas.microsoft.com/office/drawing/2014/main" id="{714EFC5B-FB25-472B-817B-37E2C9F50A0B}"/>
+                </a:ext>
+              </a:extLst>
+            </p:cNvPr>
+            <p:cNvSpPr txBox="1"/>
+            <p:nvPr/>
+          </p:nvSpPr>
+          <p:spPr>
+            <a:xfrm>
+              <a:off x="2573746" y="340321"/>
+              <a:ext cx="6812280" cy="1754326"/>
+            </a:xfrm>
+            <a:prstGeom prst="rect">
+              <a:avLst/>
+            </a:prstGeom>
+            <a:noFill/>
+          </p:spPr>
+          <p:txBody>
+            <a:bodyPr wrap="square" rtlCol="0">
+              <a:spAutoFit/>
+            </a:bodyPr>
+            <a:lstStyle/>
+            <a:p>
+              <a:r>
+                <a:rPr lang="en-US" sz="5400" b="1" dirty="0">
+                  <a:latin typeface="Helvetica" panose="020B0604020202020204" pitchFamily="34" charset="0"/>
+                  <a:cs typeface="Helvetica" panose="020B0604020202020204" pitchFamily="34" charset="0"/>
+                </a:rPr>
+                <a:t>Personalized Maternal Health</a:t>
+              </a:r>
+            </a:p>
+          </p:txBody>
+        </p:sp>
+        <p:sp>
+          <p:nvSpPr>
+            <p:cNvPr id="8" name="TextBox 7">
+              <a:extLst>
+                <a:ext uri="{FF2B5EF4-FFF2-40B4-BE49-F238E27FC236}">
+                  <a16:creationId xmlns:a16="http://schemas.microsoft.com/office/drawing/2014/main" id="{3E64D6BA-194D-49C6-A0A7-CEADA70F4DF7}"/>
+                </a:ext>
+              </a:extLst>
+            </p:cNvPr>
+            <p:cNvSpPr txBox="1"/>
+            <p:nvPr/>
+          </p:nvSpPr>
+          <p:spPr>
+            <a:xfrm>
+              <a:off x="2573746" y="2284054"/>
+              <a:ext cx="6812280" cy="3477875"/>
+            </a:xfrm>
+            <a:prstGeom prst="rect">
+              <a:avLst/>
+            </a:prstGeom>
+            <a:noFill/>
+          </p:spPr>
+          <p:txBody>
+            <a:bodyPr wrap="square" rtlCol="0">
+              <a:spAutoFit/>
+            </a:bodyPr>
+            <a:lstStyle/>
+            <a:p>
+              <a:r>
+                <a:rPr lang="en-US" sz="2000" dirty="0">
+                  <a:latin typeface="Helvetica" panose="020B0604020202020204" pitchFamily="34" charset="0"/>
+                  <a:cs typeface="Helvetica" panose="020B0604020202020204" pitchFamily="34" charset="0"/>
+                </a:rPr>
+                <a:t>The United States has one of the </a:t>
+              </a:r>
+              <a:r>
+                <a:rPr lang="en-US" sz="2000" b="1" dirty="0">
+                  <a:latin typeface="Helvetica" panose="020B0604020202020204" pitchFamily="34" charset="0"/>
+                  <a:cs typeface="Helvetica" panose="020B0604020202020204" pitchFamily="34" charset="0"/>
+                </a:rPr>
+                <a:t>highest rates of maternal mortality</a:t>
+              </a:r>
+              <a:r>
+                <a:rPr lang="en-US" sz="2000" dirty="0">
+                  <a:latin typeface="Helvetica" panose="020B0604020202020204" pitchFamily="34" charset="0"/>
+                  <a:cs typeface="Helvetica" panose="020B0604020202020204" pitchFamily="34" charset="0"/>
+                </a:rPr>
+                <a:t> amongst high-income nations. </a:t>
+              </a:r>
+            </a:p>
+            <a:p>
+              <a:endParaRPr lang="en-US" sz="2000" dirty="0">
+                <a:latin typeface="Helvetica" panose="020B0604020202020204" pitchFamily="34" charset="0"/>
+                <a:cs typeface="Helvetica" panose="020B0604020202020204" pitchFamily="34" charset="0"/>
+              </a:endParaRPr>
+            </a:p>
+            <a:p>
+              <a:r>
+                <a:rPr lang="en-US" sz="2000" dirty="0">
+                  <a:latin typeface="Helvetica" panose="020B0604020202020204" pitchFamily="34" charset="0"/>
+                  <a:cs typeface="Helvetica" panose="020B0604020202020204" pitchFamily="34" charset="0"/>
+                </a:rPr>
+                <a:t>While prenatal care is critical to reducing maternal mortality rates, existing guidelines recommend a </a:t>
+              </a:r>
+              <a:r>
+                <a:rPr lang="en-US" sz="2000" i="1" dirty="0">
+                  <a:latin typeface="Helvetica" panose="020B0604020202020204" pitchFamily="34" charset="0"/>
+                  <a:cs typeface="Helvetica" panose="020B0604020202020204" pitchFamily="34" charset="0"/>
+                </a:rPr>
+                <a:t>one-size-fits-all approach</a:t>
+              </a:r>
+              <a:r>
+                <a:rPr lang="en-US" sz="2000" dirty="0">
+                  <a:latin typeface="Helvetica" panose="020B0604020202020204" pitchFamily="34" charset="0"/>
+                  <a:cs typeface="Helvetica" panose="020B0604020202020204" pitchFamily="34" charset="0"/>
+                </a:rPr>
+                <a:t>. </a:t>
+              </a:r>
+            </a:p>
+            <a:p>
+              <a:endParaRPr lang="en-US" sz="2000" dirty="0">
+                <a:latin typeface="Helvetica" panose="020B0604020202020204" pitchFamily="34" charset="0"/>
+                <a:cs typeface="Helvetica" panose="020B0604020202020204" pitchFamily="34" charset="0"/>
+              </a:endParaRPr>
+            </a:p>
+            <a:p>
+              <a:r>
+                <a:rPr lang="en-US" sz="2000" dirty="0">
+                  <a:latin typeface="Helvetica" panose="020B0604020202020204" pitchFamily="34" charset="0"/>
+                  <a:cs typeface="Helvetica" panose="020B0604020202020204" pitchFamily="34" charset="0"/>
+                </a:rPr>
+                <a:t>We combine </a:t>
+              </a:r>
+              <a:r>
+                <a:rPr lang="en-US" sz="2000" b="1" dirty="0">
+                  <a:latin typeface="Helvetica" panose="020B0604020202020204" pitchFamily="34" charset="0"/>
+                  <a:cs typeface="Helvetica" panose="020B0604020202020204" pitchFamily="34" charset="0"/>
+                </a:rPr>
+                <a:t>predictive modeling</a:t>
+              </a:r>
+              <a:r>
+                <a:rPr lang="en-US" sz="2000" dirty="0">
+                  <a:latin typeface="Helvetica" panose="020B0604020202020204" pitchFamily="34" charset="0"/>
+                  <a:cs typeface="Helvetica" panose="020B0604020202020204" pitchFamily="34" charset="0"/>
+                </a:rPr>
+                <a:t>, </a:t>
+              </a:r>
+              <a:r>
+                <a:rPr lang="en-US" sz="2000" b="1" dirty="0">
+                  <a:latin typeface="Helvetica" panose="020B0604020202020204" pitchFamily="34" charset="0"/>
+                  <a:cs typeface="Helvetica" panose="020B0604020202020204" pitchFamily="34" charset="0"/>
+                </a:rPr>
+                <a:t>discrete optimization</a:t>
+              </a:r>
+              <a:r>
+                <a:rPr lang="en-US" sz="2000" dirty="0">
+                  <a:latin typeface="Helvetica" panose="020B0604020202020204" pitchFamily="34" charset="0"/>
+                  <a:cs typeface="Helvetica" panose="020B0604020202020204" pitchFamily="34" charset="0"/>
+                </a:rPr>
+                <a:t>, and </a:t>
+              </a:r>
+              <a:r>
+                <a:rPr lang="en-US" sz="2000" b="1" dirty="0">
+                  <a:latin typeface="Helvetica" panose="020B0604020202020204" pitchFamily="34" charset="0"/>
+                  <a:cs typeface="Helvetica" panose="020B0604020202020204" pitchFamily="34" charset="0"/>
+                </a:rPr>
+                <a:t>stochastic dynamic programming </a:t>
+              </a:r>
+              <a:r>
+                <a:rPr lang="en-US" sz="2000" dirty="0">
+                  <a:latin typeface="Helvetica" panose="020B0604020202020204" pitchFamily="34" charset="0"/>
+                  <a:cs typeface="Helvetica" panose="020B0604020202020204" pitchFamily="34" charset="0"/>
+                </a:rPr>
+                <a:t>to generate personalized and interpretable prenatal care guidelines that are amenable for clinical implementation.</a:t>
+              </a:r>
+            </a:p>
+          </p:txBody>
+        </p:sp>
+        <p:grpSp>
+          <p:nvGrpSpPr>
+            <p:cNvPr id="10" name="Group 9">
+              <a:extLst>
+                <a:ext uri="{FF2B5EF4-FFF2-40B4-BE49-F238E27FC236}">
+                  <a16:creationId xmlns:a16="http://schemas.microsoft.com/office/drawing/2014/main" id="{AADD784E-9BE0-4DDA-B239-BDE9733C2255}"/>
+                </a:ext>
+              </a:extLst>
+            </p:cNvPr>
+            <p:cNvGrpSpPr/>
+            <p:nvPr/>
+          </p:nvGrpSpPr>
+          <p:grpSpPr>
+            <a:xfrm>
+              <a:off x="7717712" y="498383"/>
+              <a:ext cx="1668314" cy="1438202"/>
+              <a:chOff x="7949941" y="488148"/>
+              <a:chExt cx="1668314" cy="1438202"/>
+            </a:xfrm>
+          </p:grpSpPr>
+          <p:sp>
+            <p:nvSpPr>
+              <p:cNvPr id="6" name="Hexagon 5">
+                <a:extLst>
+                  <a:ext uri="{FF2B5EF4-FFF2-40B4-BE49-F238E27FC236}">
+                    <a16:creationId xmlns:a16="http://schemas.microsoft.com/office/drawing/2014/main" id="{22A632F1-62BD-4FD2-A0F8-CDFD4861AF3F}"/>
+                  </a:ext>
+                </a:extLst>
+              </p:cNvPr>
+              <p:cNvSpPr/>
+              <p:nvPr/>
+            </p:nvSpPr>
+            <p:spPr>
+              <a:xfrm>
+                <a:off x="7949941" y="488148"/>
+                <a:ext cx="1668314" cy="1438202"/>
+              </a:xfrm>
+              <a:prstGeom prst="hexagon">
+                <a:avLst/>
+              </a:prstGeom>
+              <a:solidFill>
+                <a:srgbClr val="FF1D1D"/>
+              </a:solidFill>
+              <a:ln>
+                <a:noFill/>
+              </a:ln>
+            </p:spPr>
+            <p:style>
+              <a:lnRef idx="2">
+                <a:schemeClr val="accent1">
+                  <a:shade val="50000"/>
+                </a:schemeClr>
+              </a:lnRef>
+              <a:fillRef idx="1">
+                <a:schemeClr val="accent1"/>
+              </a:fillRef>
+              <a:effectRef idx="0">
+                <a:schemeClr val="accent1"/>
+              </a:effectRef>
+              <a:fontRef idx="minor">
+                <a:schemeClr val="lt1"/>
+              </a:fontRef>
+            </p:style>
+            <p:txBody>
+              <a:bodyPr rtlCol="0" anchor="ctr"/>
+              <a:lstStyle/>
+              <a:p>
+                <a:pPr algn="ctr"/>
+                <a:endParaRPr lang="en-US" dirty="0"/>
+              </a:p>
+            </p:txBody>
+          </p:sp>
+          <p:pic>
+            <p:nvPicPr>
+              <p:cNvPr id="4" name="Graphic 3" descr="Woman with baby with solid fill">
+                <a:extLst>
+                  <a:ext uri="{FF2B5EF4-FFF2-40B4-BE49-F238E27FC236}">
+                    <a16:creationId xmlns:a16="http://schemas.microsoft.com/office/drawing/2014/main" id="{D2A3604E-A6B4-4C2C-A0E6-A8F6503C4CF6}"/>
+                  </a:ext>
+                </a:extLst>
+              </p:cNvPr>
+              <p:cNvPicPr>
+                <a:picLocks noChangeAspect="1"/>
+              </p:cNvPicPr>
+              <p:nvPr/>
+            </p:nvPicPr>
+            <p:blipFill>
+              <a:blip r:embed="rId2">
+                <a:extLst>
+                  <a:ext uri="{28A0092B-C50C-407E-A947-70E740481C1C}">
+                    <a14:useLocalDpi xmlns:a14="http://schemas.microsoft.com/office/drawing/2010/main" val="0"/>
+                  </a:ext>
+                  <a:ext uri="{96DAC541-7B7A-43D3-8B79-37D633B846F1}">
+                    <asvg:svgBlip xmlns:asvg="http://schemas.microsoft.com/office/drawing/2016/SVG/main" r:embed="rId3"/>
+                  </a:ext>
+                </a:extLst>
+              </a:blip>
+              <a:stretch>
+                <a:fillRect/>
+              </a:stretch>
+            </p:blipFill>
+            <p:spPr>
+              <a:xfrm>
+                <a:off x="8296668" y="719819"/>
+                <a:ext cx="974859" cy="974860"/>
+              </a:xfrm>
+              <a:prstGeom prst="rect">
+                <a:avLst/>
+              </a:prstGeom>
+            </p:spPr>
+          </p:pic>
+        </p:grpSp>
+      </p:grpSp>
+    </p:spTree>
+    <p:extLst>
+      <p:ext uri="{BB962C8B-B14F-4D97-AF65-F5344CB8AC3E}">
+        <p14:creationId xmlns:p14="http://schemas.microsoft.com/office/powerpoint/2010/main" val="2050016412"/>
+      </p:ext>
+    </p:extLst>
+  </p:cSld>
+  <p:clrMapOvr>
+    <a:masterClrMapping/>
+  </p:clrMapOvr>
+</p:sld>
+</file>
+
+<file path=ppt/slides/slide7.xml><?xml version="1.0" encoding="utf-8"?>
+<p:sld xmlns:a="http://schemas.openxmlformats.org/drawingml/2006/main" xmlns:r="http://schemas.openxmlformats.org/officeDocument/2006/relationships" xmlns:p="http://schemas.openxmlformats.org/presentationml/2006/main">
+  <p:cSld>
+    <p:bg>
+      <p:bgPr>
+        <a:solidFill>
+          <a:srgbClr val="FFDDDD"/>
+        </a:solidFill>
+        <a:effectLst/>
+      </p:bgPr>
+    </p:bg>
+    <p:spTree>
+      <p:nvGrpSpPr>
+        <p:cNvPr id="1" name=""/>
+        <p:cNvGrpSpPr/>
+        <p:nvPr/>
+      </p:nvGrpSpPr>
+      <p:grpSpPr>
+        <a:xfrm>
+          <a:off x="0" y="0"/>
+          <a:ext cx="0" cy="0"/>
+          <a:chOff x="0" y="0"/>
+          <a:chExt cx="0" cy="0"/>
+        </a:xfrm>
+      </p:grpSpPr>
+      <p:sp>
+        <p:nvSpPr>
+          <p:cNvPr id="9" name="Hexagon 8">
+            <a:extLst>
+              <a:ext uri="{FF2B5EF4-FFF2-40B4-BE49-F238E27FC236}">
+                <a16:creationId xmlns:a16="http://schemas.microsoft.com/office/drawing/2014/main" id="{96DDD9D9-2E4E-44FE-978A-DA121962CAB0}"/>
+              </a:ext>
+            </a:extLst>
+          </p:cNvPr>
+          <p:cNvSpPr/>
+          <p:nvPr/>
+        </p:nvSpPr>
+        <p:spPr>
+          <a:xfrm>
+            <a:off x="6552045" y="1174750"/>
+            <a:ext cx="5229860" cy="4508500"/>
+          </a:xfrm>
+          <a:prstGeom prst="hexagon">
+            <a:avLst/>
+          </a:prstGeom>
+          <a:solidFill>
+            <a:srgbClr val="FF1D1D"/>
+          </a:solidFill>
+          <a:ln>
+            <a:noFill/>
+          </a:ln>
+        </p:spPr>
+        <p:style>
+          <a:lnRef idx="2">
+            <a:schemeClr val="accent1">
+              <a:shade val="50000"/>
+            </a:schemeClr>
+          </a:lnRef>
+          <a:fillRef idx="1">
+            <a:schemeClr val="accent1"/>
+          </a:fillRef>
+          <a:effectRef idx="0">
+            <a:schemeClr val="accent1"/>
+          </a:effectRef>
+          <a:fontRef idx="minor">
+            <a:schemeClr val="lt1"/>
+          </a:fontRef>
+        </p:style>
+        <p:txBody>
+          <a:bodyPr rtlCol="0" anchor="ctr"/>
+          <a:lstStyle/>
+          <a:p>
+            <a:pPr algn="ctr"/>
+            <a:endParaRPr lang="en-US"/>
+          </a:p>
+        </p:txBody>
+      </p:sp>
+      <p:sp>
+        <p:nvSpPr>
+          <p:cNvPr id="7" name="TextBox 6">
+            <a:extLst>
+              <a:ext uri="{FF2B5EF4-FFF2-40B4-BE49-F238E27FC236}">
+                <a16:creationId xmlns:a16="http://schemas.microsoft.com/office/drawing/2014/main" id="{714EFC5B-FB25-472B-817B-37E2C9F50A0B}"/>
+              </a:ext>
+            </a:extLst>
+          </p:cNvPr>
+          <p:cNvSpPr txBox="1"/>
+          <p:nvPr/>
+        </p:nvSpPr>
+        <p:spPr>
+          <a:xfrm>
+            <a:off x="410095" y="363260"/>
+            <a:ext cx="5838305" cy="1938992"/>
+          </a:xfrm>
+          <a:prstGeom prst="rect">
+            <a:avLst/>
+          </a:prstGeom>
+          <a:noFill/>
+        </p:spPr>
+        <p:txBody>
+          <a:bodyPr wrap="square" rtlCol="0">
+            <a:spAutoFit/>
+          </a:bodyPr>
+          <a:lstStyle/>
+          <a:p>
+            <a:r>
+              <a:rPr lang="en-US" sz="6000" dirty="0">
+                <a:latin typeface="Helvetica" panose="020B0604020202020204" pitchFamily="34" charset="0"/>
+                <a:cs typeface="Helvetica" panose="020B0604020202020204" pitchFamily="34" charset="0"/>
+              </a:rPr>
+              <a:t>Personalized Maternal Health</a:t>
+            </a:r>
+          </a:p>
+        </p:txBody>
+      </p:sp>
+      <p:sp>
+        <p:nvSpPr>
+          <p:cNvPr id="8" name="TextBox 7">
+            <a:extLst>
+              <a:ext uri="{FF2B5EF4-FFF2-40B4-BE49-F238E27FC236}">
+                <a16:creationId xmlns:a16="http://schemas.microsoft.com/office/drawing/2014/main" id="{3E64D6BA-194D-49C6-A0A7-CEADA70F4DF7}"/>
+              </a:ext>
+            </a:extLst>
+          </p:cNvPr>
+          <p:cNvSpPr txBox="1"/>
+          <p:nvPr/>
+        </p:nvSpPr>
+        <p:spPr>
+          <a:xfrm>
+            <a:off x="472324" y="2551836"/>
+            <a:ext cx="5838305" cy="3693319"/>
+          </a:xfrm>
+          <a:prstGeom prst="rect">
+            <a:avLst/>
+          </a:prstGeom>
+          <a:noFill/>
+        </p:spPr>
+        <p:txBody>
+          <a:bodyPr wrap="square" rtlCol="0">
+            <a:spAutoFit/>
+          </a:bodyPr>
+          <a:lstStyle/>
+          <a:p>
+            <a:r>
+              <a:rPr lang="en-US" dirty="0">
+                <a:latin typeface="Helvetica" panose="020B0604020202020204" pitchFamily="34" charset="0"/>
+                <a:cs typeface="Helvetica" panose="020B0604020202020204" pitchFamily="34" charset="0"/>
+              </a:rPr>
+              <a:t>The United States has one of the </a:t>
+            </a:r>
+            <a:r>
+              <a:rPr lang="en-US" b="1" dirty="0">
+                <a:latin typeface="Helvetica" panose="020B0604020202020204" pitchFamily="34" charset="0"/>
+                <a:cs typeface="Helvetica" panose="020B0604020202020204" pitchFamily="34" charset="0"/>
+              </a:rPr>
+              <a:t>highest rates of maternal mortality</a:t>
+            </a:r>
+            <a:r>
+              <a:rPr lang="en-US" dirty="0">
+                <a:latin typeface="Helvetica" panose="020B0604020202020204" pitchFamily="34" charset="0"/>
+                <a:cs typeface="Helvetica" panose="020B0604020202020204" pitchFamily="34" charset="0"/>
+              </a:rPr>
+              <a:t> amongst high-income nations. </a:t>
+            </a:r>
+          </a:p>
+          <a:p>
+            <a:endParaRPr lang="en-US" dirty="0">
+              <a:latin typeface="Helvetica" panose="020B0604020202020204" pitchFamily="34" charset="0"/>
+              <a:cs typeface="Helvetica" panose="020B0604020202020204" pitchFamily="34" charset="0"/>
+            </a:endParaRPr>
+          </a:p>
+          <a:p>
+            <a:r>
+              <a:rPr lang="en-US" dirty="0">
+                <a:latin typeface="Helvetica" panose="020B0604020202020204" pitchFamily="34" charset="0"/>
+                <a:cs typeface="Helvetica" panose="020B0604020202020204" pitchFamily="34" charset="0"/>
+              </a:rPr>
+              <a:t>While prenatal care is critical to reducing maternal mortality rates and detecting potential adverse outcomes, existing guidelines recommend a </a:t>
+            </a:r>
+            <a:r>
+              <a:rPr lang="en-US" i="1" dirty="0">
+                <a:latin typeface="Helvetica" panose="020B0604020202020204" pitchFamily="34" charset="0"/>
+                <a:cs typeface="Helvetica" panose="020B0604020202020204" pitchFamily="34" charset="0"/>
+              </a:rPr>
+              <a:t>one-size-fits-all approach</a:t>
+            </a:r>
+            <a:r>
+              <a:rPr lang="en-US" dirty="0">
+                <a:latin typeface="Helvetica" panose="020B0604020202020204" pitchFamily="34" charset="0"/>
+                <a:cs typeface="Helvetica" panose="020B0604020202020204" pitchFamily="34" charset="0"/>
+              </a:rPr>
+              <a:t>. </a:t>
+            </a:r>
+          </a:p>
+          <a:p>
+            <a:endParaRPr lang="en-US" dirty="0">
+              <a:latin typeface="Helvetica" panose="020B0604020202020204" pitchFamily="34" charset="0"/>
+              <a:cs typeface="Helvetica" panose="020B0604020202020204" pitchFamily="34" charset="0"/>
+            </a:endParaRPr>
+          </a:p>
+          <a:p>
+            <a:r>
+              <a:rPr lang="en-US" dirty="0">
+                <a:latin typeface="Helvetica" panose="020B0604020202020204" pitchFamily="34" charset="0"/>
+                <a:cs typeface="Helvetica" panose="020B0604020202020204" pitchFamily="34" charset="0"/>
+              </a:rPr>
+              <a:t>Our goal is to combine </a:t>
+            </a:r>
+            <a:r>
+              <a:rPr lang="en-US" b="1" dirty="0">
+                <a:latin typeface="Helvetica" panose="020B0604020202020204" pitchFamily="34" charset="0"/>
+                <a:cs typeface="Helvetica" panose="020B0604020202020204" pitchFamily="34" charset="0"/>
+              </a:rPr>
+              <a:t>predictive modeling</a:t>
+            </a:r>
+            <a:r>
+              <a:rPr lang="en-US" dirty="0">
+                <a:latin typeface="Helvetica" panose="020B0604020202020204" pitchFamily="34" charset="0"/>
+                <a:cs typeface="Helvetica" panose="020B0604020202020204" pitchFamily="34" charset="0"/>
+              </a:rPr>
+              <a:t>, </a:t>
+            </a:r>
+            <a:r>
+              <a:rPr lang="en-US" b="1" dirty="0">
+                <a:latin typeface="Helvetica" panose="020B0604020202020204" pitchFamily="34" charset="0"/>
+                <a:cs typeface="Helvetica" panose="020B0604020202020204" pitchFamily="34" charset="0"/>
+              </a:rPr>
+              <a:t>discrete optimization</a:t>
+            </a:r>
+            <a:r>
+              <a:rPr lang="en-US" dirty="0">
+                <a:latin typeface="Helvetica" panose="020B0604020202020204" pitchFamily="34" charset="0"/>
+                <a:cs typeface="Helvetica" panose="020B0604020202020204" pitchFamily="34" charset="0"/>
+              </a:rPr>
+              <a:t>, and </a:t>
+            </a:r>
+            <a:r>
+              <a:rPr lang="en-US" b="1" dirty="0">
+                <a:latin typeface="Helvetica" panose="020B0604020202020204" pitchFamily="34" charset="0"/>
+                <a:cs typeface="Helvetica" panose="020B0604020202020204" pitchFamily="34" charset="0"/>
+              </a:rPr>
+              <a:t>stochastic dynamic programming </a:t>
+            </a:r>
+            <a:r>
+              <a:rPr lang="en-US" dirty="0">
+                <a:latin typeface="Helvetica" panose="020B0604020202020204" pitchFamily="34" charset="0"/>
+                <a:cs typeface="Helvetica" panose="020B0604020202020204" pitchFamily="34" charset="0"/>
+              </a:rPr>
+              <a:t>to generate personalized, technology-enabled, and interpretable prenatal care guidelines that are amenable for clinical implementation.</a:t>
+            </a:r>
+          </a:p>
+        </p:txBody>
+      </p:sp>
+      <p:pic>
+        <p:nvPicPr>
+          <p:cNvPr id="4" name="Graphic 3" descr="Woman with baby with solid fill">
+            <a:extLst>
+              <a:ext uri="{FF2B5EF4-FFF2-40B4-BE49-F238E27FC236}">
+                <a16:creationId xmlns:a16="http://schemas.microsoft.com/office/drawing/2014/main" id="{D2A3604E-A6B4-4C2C-A0E6-A8F6503C4CF6}"/>
+              </a:ext>
+            </a:extLst>
+          </p:cNvPr>
+          <p:cNvPicPr>
+            <a:picLocks noChangeAspect="1"/>
+          </p:cNvPicPr>
+          <p:nvPr/>
+        </p:nvPicPr>
+        <p:blipFill>
+          <a:blip r:embed="rId2">
+            <a:extLst>
+              <a:ext uri="{28A0092B-C50C-407E-A947-70E740481C1C}">
+                <a14:useLocalDpi xmlns:a14="http://schemas.microsoft.com/office/drawing/2010/main" val="0"/>
+              </a:ext>
+              <a:ext uri="{96DAC541-7B7A-43D3-8B79-37D633B846F1}">
+                <asvg:svgBlip xmlns:asvg="http://schemas.microsoft.com/office/drawing/2016/SVG/main" r:embed="rId3"/>
+              </a:ext>
+            </a:extLst>
+          </a:blip>
+          <a:stretch>
+            <a:fillRect/>
+          </a:stretch>
+        </p:blipFill>
+        <p:spPr>
+          <a:xfrm>
+            <a:off x="7756357" y="2013284"/>
+            <a:ext cx="2831431" cy="2831431"/>
+          </a:xfrm>
+          <a:prstGeom prst="rect">
+            <a:avLst/>
+          </a:prstGeom>
+        </p:spPr>
+      </p:pic>
+    </p:spTree>
+    <p:extLst>
+      <p:ext uri="{BB962C8B-B14F-4D97-AF65-F5344CB8AC3E}">
+        <p14:creationId xmlns:p14="http://schemas.microsoft.com/office/powerpoint/2010/main" val="720892554"/>
+      </p:ext>
+    </p:extLst>
+  </p:cSld>
+  <p:clrMapOvr>
+    <a:masterClrMapping/>
+  </p:clrMapOvr>
+</p:sld>
+</file>
+
+<file path=ppt/slides/slide8.xml><?xml version="1.0" encoding="utf-8"?>
 <p:sld xmlns:a="http://schemas.openxmlformats.org/drawingml/2006/main" xmlns:r="http://schemas.openxmlformats.org/officeDocument/2006/relationships" xmlns:p="http://schemas.openxmlformats.org/presentationml/2006/main">
   <p:cSld>
     <p:spTree>
@@ -4223,304 +6669,7 @@
 </p:sld>
 </file>
 
-<file path=ppt/slides/slide3.xml><?xml version="1.0" encoding="utf-8"?>
-<p:sld xmlns:a="http://schemas.openxmlformats.org/drawingml/2006/main" xmlns:r="http://schemas.openxmlformats.org/officeDocument/2006/relationships" xmlns:p="http://schemas.openxmlformats.org/presentationml/2006/main">
-  <p:cSld>
-    <p:spTree>
-      <p:nvGrpSpPr>
-        <p:cNvPr id="1" name=""/>
-        <p:cNvGrpSpPr/>
-        <p:nvPr/>
-      </p:nvGrpSpPr>
-      <p:grpSpPr>
-        <a:xfrm>
-          <a:off x="0" y="0"/>
-          <a:ext cx="0" cy="0"/>
-          <a:chOff x="0" y="0"/>
-          <a:chExt cx="0" cy="0"/>
-        </a:xfrm>
-      </p:grpSpPr>
-      <p:sp>
-        <p:nvSpPr>
-          <p:cNvPr id="9" name="Hexagon 8">
-            <a:extLst>
-              <a:ext uri="{FF2B5EF4-FFF2-40B4-BE49-F238E27FC236}">
-                <a16:creationId xmlns:a16="http://schemas.microsoft.com/office/drawing/2014/main" id="{96DDD9D9-2E4E-44FE-978A-DA121962CAB0}"/>
-              </a:ext>
-            </a:extLst>
-          </p:cNvPr>
-          <p:cNvSpPr/>
-          <p:nvPr/>
-        </p:nvSpPr>
-        <p:spPr>
-          <a:xfrm>
-            <a:off x="6552045" y="1174750"/>
-            <a:ext cx="5229860" cy="4508500"/>
-          </a:xfrm>
-          <a:prstGeom prst="hexagon">
-            <a:avLst/>
-          </a:prstGeom>
-          <a:solidFill>
-            <a:srgbClr val="FFD3D3"/>
-          </a:solidFill>
-          <a:ln>
-            <a:noFill/>
-          </a:ln>
-        </p:spPr>
-        <p:style>
-          <a:lnRef idx="2">
-            <a:schemeClr val="accent1">
-              <a:shade val="50000"/>
-            </a:schemeClr>
-          </a:lnRef>
-          <a:fillRef idx="1">
-            <a:schemeClr val="accent1"/>
-          </a:fillRef>
-          <a:effectRef idx="0">
-            <a:schemeClr val="accent1"/>
-          </a:effectRef>
-          <a:fontRef idx="minor">
-            <a:schemeClr val="lt1"/>
-          </a:fontRef>
-        </p:style>
-        <p:txBody>
-          <a:bodyPr rtlCol="0" anchor="ctr"/>
-          <a:lstStyle/>
-          <a:p>
-            <a:pPr algn="ctr"/>
-            <a:endParaRPr lang="en-US"/>
-          </a:p>
-        </p:txBody>
-      </p:sp>
-      <p:sp>
-        <p:nvSpPr>
-          <p:cNvPr id="7" name="TextBox 6">
-            <a:extLst>
-              <a:ext uri="{FF2B5EF4-FFF2-40B4-BE49-F238E27FC236}">
-                <a16:creationId xmlns:a16="http://schemas.microsoft.com/office/drawing/2014/main" id="{714EFC5B-FB25-472B-817B-37E2C9F50A0B}"/>
-              </a:ext>
-            </a:extLst>
-          </p:cNvPr>
-          <p:cNvSpPr txBox="1"/>
-          <p:nvPr/>
-        </p:nvSpPr>
-        <p:spPr>
-          <a:xfrm>
-            <a:off x="410095" y="363260"/>
-            <a:ext cx="5838305" cy="1938992"/>
-          </a:xfrm>
-          <a:prstGeom prst="rect">
-            <a:avLst/>
-          </a:prstGeom>
-          <a:noFill/>
-        </p:spPr>
-        <p:txBody>
-          <a:bodyPr wrap="square" rtlCol="0">
-            <a:spAutoFit/>
-          </a:bodyPr>
-          <a:lstStyle/>
-          <a:p>
-            <a:r>
-              <a:rPr lang="en-US" sz="6000" dirty="0">
-                <a:latin typeface="Helvetica" panose="020B0604020202020204" pitchFamily="34" charset="0"/>
-                <a:cs typeface="Helvetica" panose="020B0604020202020204" pitchFamily="34" charset="0"/>
-              </a:rPr>
-              <a:t>Personalized Maternal Health</a:t>
-            </a:r>
-          </a:p>
-        </p:txBody>
-      </p:sp>
-      <p:sp>
-        <p:nvSpPr>
-          <p:cNvPr id="8" name="TextBox 7">
-            <a:extLst>
-              <a:ext uri="{FF2B5EF4-FFF2-40B4-BE49-F238E27FC236}">
-                <a16:creationId xmlns:a16="http://schemas.microsoft.com/office/drawing/2014/main" id="{3E64D6BA-194D-49C6-A0A7-CEADA70F4DF7}"/>
-              </a:ext>
-            </a:extLst>
-          </p:cNvPr>
-          <p:cNvSpPr txBox="1"/>
-          <p:nvPr/>
-        </p:nvSpPr>
-        <p:spPr>
-          <a:xfrm>
-            <a:off x="472324" y="2551836"/>
-            <a:ext cx="5838305" cy="3693319"/>
-          </a:xfrm>
-          <a:prstGeom prst="rect">
-            <a:avLst/>
-          </a:prstGeom>
-          <a:noFill/>
-        </p:spPr>
-        <p:txBody>
-          <a:bodyPr wrap="square" rtlCol="0">
-            <a:spAutoFit/>
-          </a:bodyPr>
-          <a:lstStyle/>
-          <a:p>
-            <a:r>
-              <a:rPr lang="en-US" dirty="0">
-                <a:latin typeface="Helvetica" panose="020B0604020202020204" pitchFamily="34" charset="0"/>
-                <a:cs typeface="Helvetica" panose="020B0604020202020204" pitchFamily="34" charset="0"/>
-              </a:rPr>
-              <a:t>The United States has one of the </a:t>
-            </a:r>
-            <a:r>
-              <a:rPr lang="en-US" b="1" dirty="0">
-                <a:latin typeface="Helvetica" panose="020B0604020202020204" pitchFamily="34" charset="0"/>
-                <a:cs typeface="Helvetica" panose="020B0604020202020204" pitchFamily="34" charset="0"/>
-              </a:rPr>
-              <a:t>highest rates of maternal mortality</a:t>
-            </a:r>
-            <a:r>
-              <a:rPr lang="en-US" dirty="0">
-                <a:latin typeface="Helvetica" panose="020B0604020202020204" pitchFamily="34" charset="0"/>
-                <a:cs typeface="Helvetica" panose="020B0604020202020204" pitchFamily="34" charset="0"/>
-              </a:rPr>
-              <a:t> amongst high-income nations. </a:t>
-            </a:r>
-          </a:p>
-          <a:p>
-            <a:endParaRPr lang="en-US" dirty="0">
-              <a:latin typeface="Helvetica" panose="020B0604020202020204" pitchFamily="34" charset="0"/>
-              <a:cs typeface="Helvetica" panose="020B0604020202020204" pitchFamily="34" charset="0"/>
-            </a:endParaRPr>
-          </a:p>
-          <a:p>
-            <a:r>
-              <a:rPr lang="en-US" dirty="0">
-                <a:latin typeface="Helvetica" panose="020B0604020202020204" pitchFamily="34" charset="0"/>
-                <a:cs typeface="Helvetica" panose="020B0604020202020204" pitchFamily="34" charset="0"/>
-              </a:rPr>
-              <a:t>While prenatal care is critical to reducing maternal mortality rates and detecting potential adverse outcomes, existing guidelines recommend a </a:t>
-            </a:r>
-            <a:r>
-              <a:rPr lang="en-US" i="1" dirty="0">
-                <a:latin typeface="Helvetica" panose="020B0604020202020204" pitchFamily="34" charset="0"/>
-                <a:cs typeface="Helvetica" panose="020B0604020202020204" pitchFamily="34" charset="0"/>
-              </a:rPr>
-              <a:t>one-size-fits-all approach</a:t>
-            </a:r>
-            <a:r>
-              <a:rPr lang="en-US" dirty="0">
-                <a:latin typeface="Helvetica" panose="020B0604020202020204" pitchFamily="34" charset="0"/>
-                <a:cs typeface="Helvetica" panose="020B0604020202020204" pitchFamily="34" charset="0"/>
-              </a:rPr>
-              <a:t>. </a:t>
-            </a:r>
-          </a:p>
-          <a:p>
-            <a:endParaRPr lang="en-US" dirty="0">
-              <a:latin typeface="Helvetica" panose="020B0604020202020204" pitchFamily="34" charset="0"/>
-              <a:cs typeface="Helvetica" panose="020B0604020202020204" pitchFamily="34" charset="0"/>
-            </a:endParaRPr>
-          </a:p>
-          <a:p>
-            <a:r>
-              <a:rPr lang="en-US" dirty="0">
-                <a:latin typeface="Helvetica" panose="020B0604020202020204" pitchFamily="34" charset="0"/>
-                <a:cs typeface="Helvetica" panose="020B0604020202020204" pitchFamily="34" charset="0"/>
-              </a:rPr>
-              <a:t>Our goal is to combine </a:t>
-            </a:r>
-            <a:r>
-              <a:rPr lang="en-US" b="1" dirty="0">
-                <a:latin typeface="Helvetica" panose="020B0604020202020204" pitchFamily="34" charset="0"/>
-                <a:cs typeface="Helvetica" panose="020B0604020202020204" pitchFamily="34" charset="0"/>
-              </a:rPr>
-              <a:t>predictive modeling</a:t>
-            </a:r>
-            <a:r>
-              <a:rPr lang="en-US" dirty="0">
-                <a:latin typeface="Helvetica" panose="020B0604020202020204" pitchFamily="34" charset="0"/>
-                <a:cs typeface="Helvetica" panose="020B0604020202020204" pitchFamily="34" charset="0"/>
-              </a:rPr>
-              <a:t>, </a:t>
-            </a:r>
-            <a:r>
-              <a:rPr lang="en-US" b="1" dirty="0">
-                <a:latin typeface="Helvetica" panose="020B0604020202020204" pitchFamily="34" charset="0"/>
-                <a:cs typeface="Helvetica" panose="020B0604020202020204" pitchFamily="34" charset="0"/>
-              </a:rPr>
-              <a:t>discrete optimization</a:t>
-            </a:r>
-            <a:r>
-              <a:rPr lang="en-US" dirty="0">
-                <a:latin typeface="Helvetica" panose="020B0604020202020204" pitchFamily="34" charset="0"/>
-                <a:cs typeface="Helvetica" panose="020B0604020202020204" pitchFamily="34" charset="0"/>
-              </a:rPr>
-              <a:t>, and </a:t>
-            </a:r>
-            <a:r>
-              <a:rPr lang="en-US" b="1" dirty="0">
-                <a:latin typeface="Helvetica" panose="020B0604020202020204" pitchFamily="34" charset="0"/>
-                <a:cs typeface="Helvetica" panose="020B0604020202020204" pitchFamily="34" charset="0"/>
-              </a:rPr>
-              <a:t>stochastic dynamic programming </a:t>
-            </a:r>
-            <a:r>
-              <a:rPr lang="en-US" dirty="0">
-                <a:latin typeface="Helvetica" panose="020B0604020202020204" pitchFamily="34" charset="0"/>
-                <a:cs typeface="Helvetica" panose="020B0604020202020204" pitchFamily="34" charset="0"/>
-              </a:rPr>
-              <a:t>to generate personalized, technology-enabled, and interpretable prenatal care guidelines that are amenable for clinical implementation.</a:t>
-            </a:r>
-          </a:p>
-        </p:txBody>
-      </p:sp>
-      <p:pic>
-        <p:nvPicPr>
-          <p:cNvPr id="4" name="Graphic 3" descr="Woman with baby with solid fill">
-            <a:extLst>
-              <a:ext uri="{FF2B5EF4-FFF2-40B4-BE49-F238E27FC236}">
-                <a16:creationId xmlns:a16="http://schemas.microsoft.com/office/drawing/2014/main" id="{D2A3604E-A6B4-4C2C-A0E6-A8F6503C4CF6}"/>
-              </a:ext>
-            </a:extLst>
-          </p:cNvPr>
-          <p:cNvPicPr>
-            <a:picLocks noChangeAspect="1"/>
-          </p:cNvPicPr>
-          <p:nvPr/>
-        </p:nvPicPr>
-        <p:blipFill>
-          <a:blip r:embed="rId2">
-            <a:extLst>
-              <a:ext uri="{28A0092B-C50C-407E-A947-70E740481C1C}">
-                <a14:useLocalDpi xmlns:a14="http://schemas.microsoft.com/office/drawing/2010/main" val="0"/>
-              </a:ext>
-              <a:ext uri="{96DAC541-7B7A-43D3-8B79-37D633B846F1}">
-                <asvg:svgBlip xmlns:asvg="http://schemas.microsoft.com/office/drawing/2016/SVG/main" r:embed="rId3"/>
-              </a:ext>
-            </a:extLst>
-          </a:blip>
-          <a:stretch>
-            <a:fillRect/>
-          </a:stretch>
-        </p:blipFill>
-        <p:spPr>
-          <a:xfrm>
-            <a:off x="7756357" y="2013284"/>
-            <a:ext cx="2831431" cy="2831431"/>
-          </a:xfrm>
-          <a:prstGeom prst="rect">
-            <a:avLst/>
-          </a:prstGeom>
-        </p:spPr>
-      </p:pic>
-    </p:spTree>
-    <p:extLst>
-      <p:ext uri="{BB962C8B-B14F-4D97-AF65-F5344CB8AC3E}">
-        <p14:creationId xmlns:p14="http://schemas.microsoft.com/office/powerpoint/2010/main" val="720892554"/>
-      </p:ext>
-    </p:extLst>
-  </p:cSld>
-  <p:clrMapOvr>
-    <a:masterClrMapping/>
-  </p:clrMapOvr>
-</p:sld>
-</file>
-
-<file path=ppt/slides/slide4.xml><?xml version="1.0" encoding="utf-8"?>
+<file path=ppt/slides/slide9.xml><?xml version="1.0" encoding="utf-8"?>
 <p:sld xmlns:a="http://schemas.openxmlformats.org/drawingml/2006/main" xmlns:r="http://schemas.openxmlformats.org/officeDocument/2006/relationships" xmlns:p="http://schemas.openxmlformats.org/presentationml/2006/main">
   <p:cSld>
     <p:spTree>
@@ -4734,151 +6883,6 @@
     <p:extLst>
       <p:ext uri="{BB962C8B-B14F-4D97-AF65-F5344CB8AC3E}">
         <p14:creationId xmlns:p14="http://schemas.microsoft.com/office/powerpoint/2010/main" val="4155391516"/>
-      </p:ext>
-    </p:extLst>
-  </p:cSld>
-  <p:clrMapOvr>
-    <a:masterClrMapping/>
-  </p:clrMapOvr>
-</p:sld>
-</file>
-
-<file path=ppt/slides/slide5.xml><?xml version="1.0" encoding="utf-8"?>
-<p:sld xmlns:a="http://schemas.openxmlformats.org/drawingml/2006/main" xmlns:r="http://schemas.openxmlformats.org/officeDocument/2006/relationships" xmlns:p="http://schemas.openxmlformats.org/presentationml/2006/main">
-  <p:cSld>
-    <p:spTree>
-      <p:nvGrpSpPr>
-        <p:cNvPr id="1" name=""/>
-        <p:cNvGrpSpPr/>
-        <p:nvPr/>
-      </p:nvGrpSpPr>
-      <p:grpSpPr>
-        <a:xfrm>
-          <a:off x="0" y="0"/>
-          <a:ext cx="0" cy="0"/>
-          <a:chOff x="0" y="0"/>
-          <a:chExt cx="0" cy="0"/>
-        </a:xfrm>
-      </p:grpSpPr>
-      <p:sp>
-        <p:nvSpPr>
-          <p:cNvPr id="7" name="TextBox 6">
-            <a:extLst>
-              <a:ext uri="{FF2B5EF4-FFF2-40B4-BE49-F238E27FC236}">
-                <a16:creationId xmlns:a16="http://schemas.microsoft.com/office/drawing/2014/main" id="{714EFC5B-FB25-472B-817B-37E2C9F50A0B}"/>
-              </a:ext>
-            </a:extLst>
-          </p:cNvPr>
-          <p:cNvSpPr txBox="1"/>
-          <p:nvPr/>
-        </p:nvSpPr>
-        <p:spPr>
-          <a:xfrm>
-            <a:off x="472324" y="502243"/>
-            <a:ext cx="7070205" cy="1015663"/>
-          </a:xfrm>
-          <a:prstGeom prst="rect">
-            <a:avLst/>
-          </a:prstGeom>
-          <a:noFill/>
-        </p:spPr>
-        <p:txBody>
-          <a:bodyPr wrap="square" rtlCol="0">
-            <a:spAutoFit/>
-          </a:bodyPr>
-          <a:lstStyle/>
-          <a:p>
-            <a:r>
-              <a:rPr lang="en-US" sz="6000" dirty="0">
-                <a:latin typeface="Helvetica" panose="020B0604020202020204" pitchFamily="34" charset="0"/>
-                <a:cs typeface="Helvetica" panose="020B0604020202020204" pitchFamily="34" charset="0"/>
-              </a:rPr>
-              <a:t>Health Equity</a:t>
-            </a:r>
-          </a:p>
-        </p:txBody>
-      </p:sp>
-      <p:sp>
-        <p:nvSpPr>
-          <p:cNvPr id="8" name="TextBox 7">
-            <a:extLst>
-              <a:ext uri="{FF2B5EF4-FFF2-40B4-BE49-F238E27FC236}">
-                <a16:creationId xmlns:a16="http://schemas.microsoft.com/office/drawing/2014/main" id="{3E64D6BA-194D-49C6-A0A7-CEADA70F4DF7}"/>
-              </a:ext>
-            </a:extLst>
-          </p:cNvPr>
-          <p:cNvSpPr txBox="1"/>
-          <p:nvPr/>
-        </p:nvSpPr>
-        <p:spPr>
-          <a:xfrm>
-            <a:off x="472324" y="2551836"/>
-            <a:ext cx="5130190" cy="1200329"/>
-          </a:xfrm>
-          <a:prstGeom prst="rect">
-            <a:avLst/>
-          </a:prstGeom>
-          <a:noFill/>
-        </p:spPr>
-        <p:txBody>
-          <a:bodyPr wrap="square" rtlCol="0">
-            <a:spAutoFit/>
-          </a:bodyPr>
-          <a:lstStyle/>
-          <a:p>
-            <a:r>
-              <a:rPr lang="en-US" dirty="0">
-                <a:latin typeface="Helvetica" panose="020B0604020202020204" pitchFamily="34" charset="0"/>
-                <a:cs typeface="Helvetica" panose="020B0604020202020204" pitchFamily="34" charset="0"/>
-              </a:rPr>
-              <a:t>Something about health equity</a:t>
-            </a:r>
-          </a:p>
-          <a:p>
-            <a:endParaRPr lang="en-US" dirty="0">
-              <a:latin typeface="Helvetica" panose="020B0604020202020204" pitchFamily="34" charset="0"/>
-              <a:cs typeface="Helvetica" panose="020B0604020202020204" pitchFamily="34" charset="0"/>
-            </a:endParaRPr>
-          </a:p>
-          <a:p>
-            <a:endParaRPr lang="en-US" dirty="0">
-              <a:latin typeface="Helvetica" panose="020B0604020202020204" pitchFamily="34" charset="0"/>
-              <a:cs typeface="Helvetica" panose="020B0604020202020204" pitchFamily="34" charset="0"/>
-            </a:endParaRPr>
-          </a:p>
-          <a:p>
-            <a:r>
-              <a:rPr lang="en-US" dirty="0">
-                <a:latin typeface="Helvetica" panose="020B0604020202020204" pitchFamily="34" charset="0"/>
-                <a:cs typeface="Helvetica" panose="020B0604020202020204" pitchFamily="34" charset="0"/>
-              </a:rPr>
-              <a:t>Something </a:t>
-            </a:r>
-            <a:r>
-              <a:rPr lang="en-US" dirty="0" err="1">
-                <a:latin typeface="Helvetica" panose="020B0604020202020204" pitchFamily="34" charset="0"/>
-                <a:cs typeface="Helvetica" panose="020B0604020202020204" pitchFamily="34" charset="0"/>
-              </a:rPr>
-              <a:t>something</a:t>
-            </a:r>
-            <a:r>
-              <a:rPr lang="en-US">
-                <a:latin typeface="Helvetica" panose="020B0604020202020204" pitchFamily="34" charset="0"/>
-                <a:cs typeface="Helvetica" panose="020B0604020202020204" pitchFamily="34" charset="0"/>
-              </a:rPr>
-              <a:t> about methods</a:t>
-            </a:r>
-            <a:endParaRPr lang="en-US" dirty="0">
-              <a:latin typeface="Helvetica" panose="020B0604020202020204" pitchFamily="34" charset="0"/>
-              <a:cs typeface="Helvetica" panose="020B0604020202020204" pitchFamily="34" charset="0"/>
-            </a:endParaRPr>
-          </a:p>
-        </p:txBody>
-      </p:sp>
-    </p:spTree>
-    <p:extLst>
-      <p:ext uri="{BB962C8B-B14F-4D97-AF65-F5344CB8AC3E}">
-        <p14:creationId xmlns:p14="http://schemas.microsoft.com/office/powerpoint/2010/main" val="306759443"/>
       </p:ext>
     </p:extLst>
   </p:cSld>
